--- a/Präsentation_neu.pptx
+++ b/Präsentation_neu.pptx
@@ -5,10 +5,10 @@
     <p:sldMasterId id="2147483648" r:id="rId1"/>
   </p:sldMasterIdLst>
   <p:notesMasterIdLst>
-    <p:notesMasterId r:id="rId31"/>
+    <p:notesMasterId r:id="rId32"/>
   </p:notesMasterIdLst>
   <p:handoutMasterIdLst>
-    <p:handoutMasterId r:id="rId32"/>
+    <p:handoutMasterId r:id="rId33"/>
   </p:handoutMasterIdLst>
   <p:sldIdLst>
     <p:sldId id="287" r:id="rId2"/>
@@ -29,17 +29,18 @@
     <p:sldId id="342" r:id="rId17"/>
     <p:sldId id="340" r:id="rId18"/>
     <p:sldId id="341" r:id="rId19"/>
-    <p:sldId id="337" r:id="rId20"/>
-    <p:sldId id="338" r:id="rId21"/>
-    <p:sldId id="339" r:id="rId22"/>
-    <p:sldId id="302" r:id="rId23"/>
-    <p:sldId id="295" r:id="rId24"/>
-    <p:sldId id="288" r:id="rId25"/>
-    <p:sldId id="289" r:id="rId26"/>
-    <p:sldId id="290" r:id="rId27"/>
-    <p:sldId id="291" r:id="rId28"/>
-    <p:sldId id="292" r:id="rId29"/>
-    <p:sldId id="293" r:id="rId30"/>
+    <p:sldId id="343" r:id="rId20"/>
+    <p:sldId id="337" r:id="rId21"/>
+    <p:sldId id="338" r:id="rId22"/>
+    <p:sldId id="339" r:id="rId23"/>
+    <p:sldId id="302" r:id="rId24"/>
+    <p:sldId id="295" r:id="rId25"/>
+    <p:sldId id="288" r:id="rId26"/>
+    <p:sldId id="289" r:id="rId27"/>
+    <p:sldId id="290" r:id="rId28"/>
+    <p:sldId id="291" r:id="rId29"/>
+    <p:sldId id="292" r:id="rId30"/>
+    <p:sldId id="293" r:id="rId31"/>
   </p:sldIdLst>
   <p:sldSz cx="9144000" cy="6858000" type="screen4x3"/>
   <p:notesSz cx="7099300" cy="10234613"/>
@@ -191,6 +192,7 @@
             <p14:sldId id="342"/>
             <p14:sldId id="340"/>
             <p14:sldId id="341"/>
+            <p14:sldId id="343"/>
             <p14:sldId id="337"/>
             <p14:sldId id="338"/>
             <p14:sldId id="339"/>
@@ -12478,13 +12480,7 @@
               <a:rPr lang="de-DE" dirty="0" smtClean="0">
                 <a:sym typeface="Wingdings" panose="05000000000000000000" pitchFamily="2" charset="2"/>
               </a:rPr>
-              <a:t>(</a:t>
-            </a:r>
-            <a:r>
-              <a:rPr lang="de-DE" smtClean="0">
-                <a:sym typeface="Wingdings" panose="05000000000000000000" pitchFamily="2" charset="2"/>
-              </a:rPr>
-              <a:t>endlicher Zahlenkörper)</a:t>
+              <a:t>(endlicher Zahlenkörper)</a:t>
             </a:r>
             <a:endParaRPr lang="de-DE" dirty="0" smtClean="0">
               <a:sym typeface="Wingdings" panose="05000000000000000000" pitchFamily="2" charset="2"/>
@@ -12563,7 +12559,7 @@
       </p:sp>
       <p:grpSp>
         <p:nvGrpSpPr>
-          <p:cNvPr id="15" name="Gruppieren 14"/>
+          <p:cNvPr id="19" name="Gruppieren 18"/>
           <p:cNvGrpSpPr/>
           <p:nvPr/>
         </p:nvGrpSpPr>
@@ -12642,7 +12638,7 @@
             </a:xfrm>
             <a:prstGeom prst="pie">
               <a:avLst>
-                <a:gd name="adj1" fmla="val 7445434"/>
+                <a:gd name="adj1" fmla="val 7361708"/>
                 <a:gd name="adj2" fmla="val 14397874"/>
               </a:avLst>
             </a:prstGeom>
@@ -12790,7 +12786,7 @@
             <a:prstGeom prst="pie">
               <a:avLst>
                 <a:gd name="adj1" fmla="val 15248629"/>
-                <a:gd name="adj2" fmla="val 16795032"/>
+                <a:gd name="adj2" fmla="val 16223465"/>
               </a:avLst>
             </a:prstGeom>
             <a:solidFill>
@@ -13085,7 +13081,15 @@
           <a:bodyPr/>
           <a:lstStyle/>
           <a:p>
-            <a:endParaRPr lang="de-DE"/>
+            <a:r>
+              <a:rPr lang="de-DE" b="1" dirty="0" smtClean="0">
+                <a:solidFill>
+                  <a:srgbClr val="00AEEF"/>
+                </a:solidFill>
+              </a:rPr>
+              <a:t>Hindernis-Vermeidung</a:t>
+            </a:r>
+            <a:endParaRPr lang="de-DE" dirty="0"/>
           </a:p>
         </p:txBody>
       </p:sp>
@@ -13104,7 +13108,24 @@
           <a:bodyPr/>
           <a:lstStyle/>
           <a:p>
-            <a:endParaRPr lang="de-DE"/>
+            <a:r>
+              <a:rPr lang="de-DE" u="sng" dirty="0" smtClean="0">
+                <a:sym typeface="Wingdings" panose="05000000000000000000" pitchFamily="2" charset="2"/>
+              </a:rPr>
+              <a:t>Details Implementierung:</a:t>
+            </a:r>
+            <a:endParaRPr lang="de-DE" u="sng" dirty="0" smtClean="0">
+              <a:sym typeface="Wingdings" panose="05000000000000000000" pitchFamily="2" charset="2"/>
+            </a:endParaRPr>
+          </a:p>
+          <a:p>
+            <a:pPr lvl="1"/>
+            <a:r>
+              <a:rPr lang="de-DE" dirty="0" smtClean="0">
+                <a:sym typeface="Wingdings" panose="05000000000000000000" pitchFamily="2" charset="2"/>
+              </a:rPr>
+              <a:t>„Winkel-Ring“ (endlicher Zahlenkörper)</a:t>
+            </a:r>
           </a:p>
         </p:txBody>
       </p:sp>
@@ -13177,10 +13198,92 @@
           </a:p>
         </p:txBody>
       </p:sp>
+      <p:pic>
+        <p:nvPicPr>
+          <p:cNvPr id="1027" name="Picture 3" descr="C:\Users\Admin\Desktop\histogram_valley.jpg"/>
+          <p:cNvPicPr>
+            <a:picLocks noChangeAspect="1" noChangeArrowheads="1"/>
+          </p:cNvPicPr>
+          <p:nvPr/>
+        </p:nvPicPr>
+        <p:blipFill>
+          <a:blip r:embed="rId2">
+            <a:extLst>
+              <a:ext uri="{28A0092B-C50C-407E-A947-70E740481C1C}">
+                <a14:useLocalDpi xmlns:a14="http://schemas.microsoft.com/office/drawing/2010/main" val="0"/>
+              </a:ext>
+            </a:extLst>
+          </a:blip>
+          <a:srcRect/>
+          <a:stretch>
+            <a:fillRect/>
+          </a:stretch>
+        </p:blipFill>
+        <p:spPr bwMode="auto">
+          <a:xfrm>
+            <a:off x="1763688" y="2456892"/>
+            <a:ext cx="5524500" cy="2933700"/>
+          </a:xfrm>
+          <a:prstGeom prst="rect">
+            <a:avLst/>
+          </a:prstGeom>
+          <a:noFill/>
+          <a:extLst>
+            <a:ext uri="{909E8E84-426E-40DD-AFC4-6F175D3DCCD1}">
+              <a14:hiddenFill xmlns:a14="http://schemas.microsoft.com/office/drawing/2010/main">
+                <a:solidFill>
+                  <a:srgbClr val="FFFFFF"/>
+                </a:solidFill>
+              </a14:hiddenFill>
+            </a:ext>
+          </a:extLst>
+        </p:spPr>
+      </p:pic>
+      <p:cxnSp>
+        <p:nvCxnSpPr>
+          <p:cNvPr id="26" name="Gekrümmte Verbindung 25"/>
+          <p:cNvCxnSpPr>
+            <a:stCxn id="1027" idx="1"/>
+            <a:endCxn id="1027" idx="3"/>
+          </p:cNvCxnSpPr>
+          <p:nvPr/>
+        </p:nvCxnSpPr>
+        <p:spPr>
+          <a:xfrm rot="10800000" flipH="1">
+            <a:off x="1763688" y="3923742"/>
+            <a:ext cx="5524500" cy="12700"/>
+          </a:xfrm>
+          <a:prstGeom prst="curvedConnector5">
+            <a:avLst>
+              <a:gd name="adj1" fmla="val -16379"/>
+              <a:gd name="adj2" fmla="val -13725000"/>
+              <a:gd name="adj3" fmla="val 116207"/>
+            </a:avLst>
+          </a:prstGeom>
+          <a:ln w="38100">
+            <a:headEnd type="stealth" w="lg" len="lg"/>
+            <a:tailEnd type="stealth" w="lg" len="lg"/>
+          </a:ln>
+        </p:spPr>
+        <p:style>
+          <a:lnRef idx="1">
+            <a:schemeClr val="accent1"/>
+          </a:lnRef>
+          <a:fillRef idx="0">
+            <a:schemeClr val="accent1"/>
+          </a:fillRef>
+          <a:effectRef idx="0">
+            <a:schemeClr val="accent1"/>
+          </a:effectRef>
+          <a:fontRef idx="minor">
+            <a:schemeClr val="tx1"/>
+          </a:fontRef>
+        </p:style>
+      </p:cxnSp>
     </p:spTree>
     <p:extLst>
       <p:ext uri="{BB962C8B-B14F-4D97-AF65-F5344CB8AC3E}">
-        <p14:creationId xmlns:p14="http://schemas.microsoft.com/office/powerpoint/2010/main" val="1189494615"/>
+        <p14:creationId xmlns:p14="http://schemas.microsoft.com/office/powerpoint/2010/main" val="2266082798"/>
       </p:ext>
     </p:extLst>
   </p:cSld>
@@ -13489,7 +13592,7 @@
     </p:spTree>
     <p:extLst>
       <p:ext uri="{BB962C8B-B14F-4D97-AF65-F5344CB8AC3E}">
-        <p14:creationId xmlns:p14="http://schemas.microsoft.com/office/powerpoint/2010/main" val="3524725382"/>
+        <p14:creationId xmlns:p14="http://schemas.microsoft.com/office/powerpoint/2010/main" val="1189494615"/>
       </p:ext>
     </p:extLst>
   </p:cSld>
@@ -13633,7 +13736,7 @@
     </p:spTree>
     <p:extLst>
       <p:ext uri="{BB962C8B-B14F-4D97-AF65-F5344CB8AC3E}">
-        <p14:creationId xmlns:p14="http://schemas.microsoft.com/office/powerpoint/2010/main" val="1381365431"/>
+        <p14:creationId xmlns:p14="http://schemas.microsoft.com/office/powerpoint/2010/main" val="3524725382"/>
       </p:ext>
     </p:extLst>
   </p:cSld>
@@ -13682,19 +13785,7 @@
           <a:bodyPr/>
           <a:lstStyle/>
           <a:p>
-            <a:r>
-              <a:rPr lang="de-DE" b="1" dirty="0" smtClean="0">
-                <a:solidFill>
-                  <a:srgbClr val="00AEEF"/>
-                </a:solidFill>
-              </a:rPr>
-              <a:t>4. Zusammenfassung</a:t>
-            </a:r>
-            <a:endParaRPr lang="de-DE" b="1" dirty="0">
-              <a:solidFill>
-                <a:srgbClr val="00AEEF"/>
-              </a:solidFill>
-            </a:endParaRPr>
+            <a:endParaRPr lang="de-DE"/>
           </a:p>
         </p:txBody>
       </p:sp>
@@ -13713,11 +13804,7 @@
           <a:bodyPr/>
           <a:lstStyle/>
           <a:p>
-            <a:r>
-              <a:rPr lang="de-DE" sz="2000" dirty="0" smtClean="0"/>
-              <a:t>Text</a:t>
-            </a:r>
-            <a:endParaRPr lang="de-DE" sz="2000" dirty="0"/>
+            <a:endParaRPr lang="de-DE"/>
           </a:p>
         </p:txBody>
       </p:sp>
@@ -13740,7 +13827,7 @@
               <a:defRPr/>
             </a:pPr>
             <a:r>
-              <a:rPr lang="de-DE" altLang="de-DE" dirty="0"/>
+              <a:rPr lang="de-DE" altLang="de-DE" smtClean="0"/>
               <a:t>Hochschule Konstanz | Autonome Roboter | 21.07.2015</a:t>
             </a:r>
           </a:p>
@@ -13749,13 +13836,14 @@
               <a:defRPr/>
             </a:pPr>
             <a:r>
-              <a:rPr lang="de-DE" altLang="de-DE" dirty="0"/>
-              <a:t>Präsentation | Daniel Eckstein, Philipp </a:t>
-            </a:r>
-            <a:r>
-              <a:rPr lang="de-DE" altLang="de-DE" dirty="0" err="1" smtClean="0"/>
-              <a:t>Lohrer</a:t>
-            </a:r>
+              <a:rPr lang="de-DE" altLang="de-DE" smtClean="0"/>
+              <a:t>Präsentation | Daniel Eckstein, Philipp Lohrer</a:t>
+            </a:r>
+          </a:p>
+          <a:p>
+            <a:pPr>
+              <a:defRPr/>
+            </a:pPr>
             <a:endParaRPr lang="de-DE" altLang="de-DE" dirty="0"/>
           </a:p>
         </p:txBody>
@@ -13792,7 +13880,7 @@
     </p:spTree>
     <p:extLst>
       <p:ext uri="{BB962C8B-B14F-4D97-AF65-F5344CB8AC3E}">
-        <p14:creationId xmlns:p14="http://schemas.microsoft.com/office/powerpoint/2010/main" val="959585310"/>
+        <p14:creationId xmlns:p14="http://schemas.microsoft.com/office/powerpoint/2010/main" val="1381365431"/>
       </p:ext>
     </p:extLst>
   </p:cSld>
@@ -13828,6 +13916,165 @@
       </p:grpSpPr>
       <p:sp>
         <p:nvSpPr>
+          <p:cNvPr id="2" name="Titel 1"/>
+          <p:cNvSpPr>
+            <a:spLocks noGrp="1"/>
+          </p:cNvSpPr>
+          <p:nvPr>
+            <p:ph type="title"/>
+          </p:nvPr>
+        </p:nvSpPr>
+        <p:spPr/>
+        <p:txBody>
+          <a:bodyPr/>
+          <a:lstStyle/>
+          <a:p>
+            <a:r>
+              <a:rPr lang="de-DE" b="1" dirty="0" smtClean="0">
+                <a:solidFill>
+                  <a:srgbClr val="00AEEF"/>
+                </a:solidFill>
+              </a:rPr>
+              <a:t>4. Zusammenfassung</a:t>
+            </a:r>
+            <a:endParaRPr lang="de-DE" b="1" dirty="0">
+              <a:solidFill>
+                <a:srgbClr val="00AEEF"/>
+              </a:solidFill>
+            </a:endParaRPr>
+          </a:p>
+        </p:txBody>
+      </p:sp>
+      <p:sp>
+        <p:nvSpPr>
+          <p:cNvPr id="3" name="Inhaltsplatzhalter 2"/>
+          <p:cNvSpPr>
+            <a:spLocks noGrp="1"/>
+          </p:cNvSpPr>
+          <p:nvPr>
+            <p:ph idx="1"/>
+          </p:nvPr>
+        </p:nvSpPr>
+        <p:spPr/>
+        <p:txBody>
+          <a:bodyPr/>
+          <a:lstStyle/>
+          <a:p>
+            <a:r>
+              <a:rPr lang="de-DE" sz="2000" dirty="0" smtClean="0"/>
+              <a:t>Text</a:t>
+            </a:r>
+            <a:endParaRPr lang="de-DE" sz="2000" dirty="0"/>
+          </a:p>
+        </p:txBody>
+      </p:sp>
+      <p:sp>
+        <p:nvSpPr>
+          <p:cNvPr id="4" name="Fußzeilenplatzhalter 3"/>
+          <p:cNvSpPr>
+            <a:spLocks noGrp="1"/>
+          </p:cNvSpPr>
+          <p:nvPr>
+            <p:ph type="ftr" sz="quarter" idx="10"/>
+          </p:nvPr>
+        </p:nvSpPr>
+        <p:spPr/>
+        <p:txBody>
+          <a:bodyPr/>
+          <a:lstStyle/>
+          <a:p>
+            <a:pPr>
+              <a:defRPr/>
+            </a:pPr>
+            <a:r>
+              <a:rPr lang="de-DE" altLang="de-DE" dirty="0"/>
+              <a:t>Hochschule Konstanz | Autonome Roboter | 21.07.2015</a:t>
+            </a:r>
+          </a:p>
+          <a:p>
+            <a:pPr>
+              <a:defRPr/>
+            </a:pPr>
+            <a:r>
+              <a:rPr lang="de-DE" altLang="de-DE" dirty="0"/>
+              <a:t>Präsentation | Daniel Eckstein, Philipp </a:t>
+            </a:r>
+            <a:r>
+              <a:rPr lang="de-DE" altLang="de-DE" dirty="0" err="1" smtClean="0"/>
+              <a:t>Lohrer</a:t>
+            </a:r>
+            <a:endParaRPr lang="de-DE" altLang="de-DE" dirty="0"/>
+          </a:p>
+        </p:txBody>
+      </p:sp>
+      <p:sp>
+        <p:nvSpPr>
+          <p:cNvPr id="5" name="Foliennummernplatzhalter 4"/>
+          <p:cNvSpPr>
+            <a:spLocks noGrp="1"/>
+          </p:cNvSpPr>
+          <p:nvPr>
+            <p:ph type="sldNum" sz="quarter" idx="11"/>
+          </p:nvPr>
+        </p:nvSpPr>
+        <p:spPr/>
+        <p:txBody>
+          <a:bodyPr/>
+          <a:lstStyle/>
+          <a:p>
+            <a:pPr>
+              <a:defRPr/>
+            </a:pPr>
+            <a:fld id="{6CBCCF0D-601A-439F-92C2-C97BBA611F17}" type="slidenum">
+              <a:rPr lang="de-DE" altLang="de-DE" smtClean="0"/>
+              <a:pPr>
+                <a:defRPr/>
+              </a:pPr>
+              <a:t>23</a:t>
+            </a:fld>
+            <a:endParaRPr lang="de-DE" altLang="de-DE"/>
+          </a:p>
+        </p:txBody>
+      </p:sp>
+    </p:spTree>
+    <p:extLst>
+      <p:ext uri="{BB962C8B-B14F-4D97-AF65-F5344CB8AC3E}">
+        <p14:creationId xmlns:p14="http://schemas.microsoft.com/office/powerpoint/2010/main" val="959585310"/>
+      </p:ext>
+    </p:extLst>
+  </p:cSld>
+  <p:clrMapOvr>
+    <a:masterClrMapping/>
+  </p:clrMapOvr>
+  <p:timing>
+    <p:tnLst>
+      <p:par>
+        <p:cTn id="1" dur="indefinite" restart="never" nodeType="tmRoot"/>
+      </p:par>
+    </p:tnLst>
+  </p:timing>
+</p:sld>
+</file>
+
+<file path=ppt/slides/slide24.xml><?xml version="1.0" encoding="utf-8"?>
+<p:sld xmlns:a="http://schemas.openxmlformats.org/drawingml/2006/main" xmlns:r="http://schemas.openxmlformats.org/officeDocument/2006/relationships" xmlns:p="http://schemas.openxmlformats.org/presentationml/2006/main">
+  <p:cSld>
+    <p:spTree>
+      <p:nvGrpSpPr>
+        <p:cNvPr id="1" name=""/>
+        <p:cNvGrpSpPr/>
+        <p:nvPr/>
+      </p:nvGrpSpPr>
+      <p:grpSpPr>
+        <a:xfrm>
+          <a:off x="0" y="0"/>
+          <a:ext cx="0" cy="0"/>
+          <a:chOff x="0" y="0"/>
+          <a:chExt cx="0" cy="0"/>
+        </a:xfrm>
+      </p:grpSpPr>
+      <p:sp>
+        <p:nvSpPr>
           <p:cNvPr id="11267" name="Foliennummernplatzhalter 4"/>
           <p:cNvSpPr>
             <a:spLocks noGrp="1"/>
@@ -13944,7 +14191,7 @@
             <a:fld id="{C89CD316-C51B-4EDC-8FEA-BA4D38A9E3A7}" type="slidenum">
               <a:rPr lang="de-DE" altLang="de-DE"/>
               <a:pPr eaLnBrk="1" hangingPunct="1"/>
-              <a:t>23</a:t>
+              <a:t>24</a:t>
             </a:fld>
             <a:endParaRPr lang="de-DE" altLang="de-DE"/>
           </a:p>
@@ -14232,7 +14479,7 @@
 </p:sld>
 </file>
 
-<file path=ppt/slides/slide24.xml><?xml version="1.0" encoding="utf-8"?>
+<file path=ppt/slides/slide25.xml><?xml version="1.0" encoding="utf-8"?>
 <p:sld xmlns:a="http://schemas.openxmlformats.org/drawingml/2006/main" xmlns:r="http://schemas.openxmlformats.org/officeDocument/2006/relationships" xmlns:p="http://schemas.openxmlformats.org/presentationml/2006/main" show="0">
   <p:cSld>
     <p:spTree>
@@ -14497,7 +14744,7 @@
             <a:fld id="{50ABA826-BEAA-4641-A59E-25776795EBD9}" type="slidenum">
               <a:rPr lang="de-DE" altLang="de-DE"/>
               <a:pPr eaLnBrk="1" hangingPunct="1"/>
-              <a:t>24</a:t>
+              <a:t>25</a:t>
             </a:fld>
             <a:endParaRPr lang="de-DE" altLang="de-DE"/>
           </a:p>
@@ -14581,386 +14828,6 @@
               <a:rPr lang="de-DE" altLang="de-DE" smtClean="0"/>
               <a:t>das Häkchen vor „auf Titelfolie nicht anzeigen soll gesetzt sein</a:t>
             </a:r>
-          </a:p>
-        </p:txBody>
-      </p:sp>
-    </p:spTree>
-  </p:cSld>
-  <p:clrMapOvr>
-    <a:masterClrMapping/>
-  </p:clrMapOvr>
-  <mc:AlternateContent xmlns:mc="http://schemas.openxmlformats.org/markup-compatibility/2006" xmlns:p14="http://schemas.microsoft.com/office/powerpoint/2010/main">
-    <mc:Choice Requires="p14">
-      <p:transition spd="slow" p14:dur="2000"/>
-    </mc:Choice>
-    <mc:Fallback xmlns="">
-      <p:transition spd="slow"/>
-    </mc:Fallback>
-  </mc:AlternateContent>
-  <p:timing>
-    <p:tnLst>
-      <p:par>
-        <p:cTn id="1" dur="indefinite" restart="never" nodeType="tmRoot"/>
-      </p:par>
-    </p:tnLst>
-  </p:timing>
-</p:sld>
-</file>
-
-<file path=ppt/slides/slide25.xml><?xml version="1.0" encoding="utf-8"?>
-<p:sld xmlns:a="http://schemas.openxmlformats.org/drawingml/2006/main" xmlns:r="http://schemas.openxmlformats.org/officeDocument/2006/relationships" xmlns:p="http://schemas.openxmlformats.org/presentationml/2006/main" show="0">
-  <p:cSld>
-    <p:spTree>
-      <p:nvGrpSpPr>
-        <p:cNvPr id="1" name=""/>
-        <p:cNvGrpSpPr/>
-        <p:nvPr/>
-      </p:nvGrpSpPr>
-      <p:grpSpPr>
-        <a:xfrm>
-          <a:off x="0" y="0"/>
-          <a:ext cx="0" cy="0"/>
-          <a:chOff x="0" y="0"/>
-          <a:chExt cx="0" cy="0"/>
-        </a:xfrm>
-      </p:grpSpPr>
-      <p:sp>
-        <p:nvSpPr>
-          <p:cNvPr id="5122" name="Fußzeilenplatzhalter 3"/>
-          <p:cNvSpPr>
-            <a:spLocks noGrp="1"/>
-          </p:cNvSpPr>
-          <p:nvPr>
-            <p:ph type="ftr" sz="quarter" idx="10"/>
-          </p:nvPr>
-        </p:nvSpPr>
-        <p:spPr>
-          <a:noFill/>
-        </p:spPr>
-        <p:txBody>
-          <a:bodyPr/>
-          <a:lstStyle>
-            <a:lvl1pPr eaLnBrk="0" hangingPunct="0">
-              <a:defRPr>
-                <a:solidFill>
-                  <a:schemeClr val="tx1"/>
-                </a:solidFill>
-                <a:latin typeface="Lucida Sans" pitchFamily="34" charset="0"/>
-              </a:defRPr>
-            </a:lvl1pPr>
-            <a:lvl2pPr marL="742950" indent="-285750" eaLnBrk="0" hangingPunct="0">
-              <a:defRPr>
-                <a:solidFill>
-                  <a:schemeClr val="tx1"/>
-                </a:solidFill>
-                <a:latin typeface="Lucida Sans" pitchFamily="34" charset="0"/>
-              </a:defRPr>
-            </a:lvl2pPr>
-            <a:lvl3pPr marL="1143000" indent="-228600" eaLnBrk="0" hangingPunct="0">
-              <a:defRPr>
-                <a:solidFill>
-                  <a:schemeClr val="tx1"/>
-                </a:solidFill>
-                <a:latin typeface="Lucida Sans" pitchFamily="34" charset="0"/>
-              </a:defRPr>
-            </a:lvl3pPr>
-            <a:lvl4pPr marL="1600200" indent="-228600" eaLnBrk="0" hangingPunct="0">
-              <a:defRPr>
-                <a:solidFill>
-                  <a:schemeClr val="tx1"/>
-                </a:solidFill>
-                <a:latin typeface="Lucida Sans" pitchFamily="34" charset="0"/>
-              </a:defRPr>
-            </a:lvl4pPr>
-            <a:lvl5pPr marL="2057400" indent="-228600" eaLnBrk="0" hangingPunct="0">
-              <a:defRPr>
-                <a:solidFill>
-                  <a:schemeClr val="tx1"/>
-                </a:solidFill>
-                <a:latin typeface="Lucida Sans" pitchFamily="34" charset="0"/>
-              </a:defRPr>
-            </a:lvl5pPr>
-            <a:lvl6pPr marL="2514600" indent="-228600" eaLnBrk="0" fontAlgn="base" hangingPunct="0">
-              <a:spcBef>
-                <a:spcPct val="0"/>
-              </a:spcBef>
-              <a:spcAft>
-                <a:spcPct val="0"/>
-              </a:spcAft>
-              <a:defRPr>
-                <a:solidFill>
-                  <a:schemeClr val="tx1"/>
-                </a:solidFill>
-                <a:latin typeface="Lucida Sans" pitchFamily="34" charset="0"/>
-              </a:defRPr>
-            </a:lvl6pPr>
-            <a:lvl7pPr marL="2971800" indent="-228600" eaLnBrk="0" fontAlgn="base" hangingPunct="0">
-              <a:spcBef>
-                <a:spcPct val="0"/>
-              </a:spcBef>
-              <a:spcAft>
-                <a:spcPct val="0"/>
-              </a:spcAft>
-              <a:defRPr>
-                <a:solidFill>
-                  <a:schemeClr val="tx1"/>
-                </a:solidFill>
-                <a:latin typeface="Lucida Sans" pitchFamily="34" charset="0"/>
-              </a:defRPr>
-            </a:lvl7pPr>
-            <a:lvl8pPr marL="3429000" indent="-228600" eaLnBrk="0" fontAlgn="base" hangingPunct="0">
-              <a:spcBef>
-                <a:spcPct val="0"/>
-              </a:spcBef>
-              <a:spcAft>
-                <a:spcPct val="0"/>
-              </a:spcAft>
-              <a:defRPr>
-                <a:solidFill>
-                  <a:schemeClr val="tx1"/>
-                </a:solidFill>
-                <a:latin typeface="Lucida Sans" pitchFamily="34" charset="0"/>
-              </a:defRPr>
-            </a:lvl8pPr>
-            <a:lvl9pPr marL="3886200" indent="-228600" eaLnBrk="0" fontAlgn="base" hangingPunct="0">
-              <a:spcBef>
-                <a:spcPct val="0"/>
-              </a:spcBef>
-              <a:spcAft>
-                <a:spcPct val="0"/>
-              </a:spcAft>
-              <a:defRPr>
-                <a:solidFill>
-                  <a:schemeClr val="tx1"/>
-                </a:solidFill>
-                <a:latin typeface="Lucida Sans" pitchFamily="34" charset="0"/>
-              </a:defRPr>
-            </a:lvl9pPr>
-          </a:lstStyle>
-          <a:p>
-            <a:pPr eaLnBrk="1" hangingPunct="1"/>
-            <a:r>
-              <a:rPr lang="de-DE" altLang="de-DE" dirty="0"/>
-              <a:t>Hochschule Konstanz | Titel der Präsentation | Datum etc.</a:t>
-            </a:r>
-          </a:p>
-          <a:p>
-            <a:pPr eaLnBrk="1" hangingPunct="1"/>
-            <a:endParaRPr lang="de-DE" altLang="de-DE" dirty="0"/>
-          </a:p>
-          <a:p>
-            <a:pPr eaLnBrk="1" hangingPunct="1"/>
-            <a:endParaRPr lang="de-DE" altLang="de-DE" dirty="0"/>
-          </a:p>
-        </p:txBody>
-      </p:sp>
-      <p:sp>
-        <p:nvSpPr>
-          <p:cNvPr id="5123" name="Foliennummernplatzhalter 4"/>
-          <p:cNvSpPr>
-            <a:spLocks noGrp="1"/>
-          </p:cNvSpPr>
-          <p:nvPr>
-            <p:ph type="sldNum" sz="quarter" idx="11"/>
-          </p:nvPr>
-        </p:nvSpPr>
-        <p:spPr>
-          <a:noFill/>
-        </p:spPr>
-        <p:txBody>
-          <a:bodyPr/>
-          <a:lstStyle>
-            <a:lvl1pPr eaLnBrk="0" hangingPunct="0">
-              <a:defRPr>
-                <a:solidFill>
-                  <a:schemeClr val="tx1"/>
-                </a:solidFill>
-                <a:latin typeface="Lucida Sans" pitchFamily="34" charset="0"/>
-              </a:defRPr>
-            </a:lvl1pPr>
-            <a:lvl2pPr marL="742950" indent="-285750" eaLnBrk="0" hangingPunct="0">
-              <a:defRPr>
-                <a:solidFill>
-                  <a:schemeClr val="tx1"/>
-                </a:solidFill>
-                <a:latin typeface="Lucida Sans" pitchFamily="34" charset="0"/>
-              </a:defRPr>
-            </a:lvl2pPr>
-            <a:lvl3pPr marL="1143000" indent="-228600" eaLnBrk="0" hangingPunct="0">
-              <a:defRPr>
-                <a:solidFill>
-                  <a:schemeClr val="tx1"/>
-                </a:solidFill>
-                <a:latin typeface="Lucida Sans" pitchFamily="34" charset="0"/>
-              </a:defRPr>
-            </a:lvl3pPr>
-            <a:lvl4pPr marL="1600200" indent="-228600" eaLnBrk="0" hangingPunct="0">
-              <a:defRPr>
-                <a:solidFill>
-                  <a:schemeClr val="tx1"/>
-                </a:solidFill>
-                <a:latin typeface="Lucida Sans" pitchFamily="34" charset="0"/>
-              </a:defRPr>
-            </a:lvl4pPr>
-            <a:lvl5pPr marL="2057400" indent="-228600" eaLnBrk="0" hangingPunct="0">
-              <a:defRPr>
-                <a:solidFill>
-                  <a:schemeClr val="tx1"/>
-                </a:solidFill>
-                <a:latin typeface="Lucida Sans" pitchFamily="34" charset="0"/>
-              </a:defRPr>
-            </a:lvl5pPr>
-            <a:lvl6pPr marL="2514600" indent="-228600" eaLnBrk="0" fontAlgn="base" hangingPunct="0">
-              <a:spcBef>
-                <a:spcPct val="0"/>
-              </a:spcBef>
-              <a:spcAft>
-                <a:spcPct val="0"/>
-              </a:spcAft>
-              <a:defRPr>
-                <a:solidFill>
-                  <a:schemeClr val="tx1"/>
-                </a:solidFill>
-                <a:latin typeface="Lucida Sans" pitchFamily="34" charset="0"/>
-              </a:defRPr>
-            </a:lvl6pPr>
-            <a:lvl7pPr marL="2971800" indent="-228600" eaLnBrk="0" fontAlgn="base" hangingPunct="0">
-              <a:spcBef>
-                <a:spcPct val="0"/>
-              </a:spcBef>
-              <a:spcAft>
-                <a:spcPct val="0"/>
-              </a:spcAft>
-              <a:defRPr>
-                <a:solidFill>
-                  <a:schemeClr val="tx1"/>
-                </a:solidFill>
-                <a:latin typeface="Lucida Sans" pitchFamily="34" charset="0"/>
-              </a:defRPr>
-            </a:lvl7pPr>
-            <a:lvl8pPr marL="3429000" indent="-228600" eaLnBrk="0" fontAlgn="base" hangingPunct="0">
-              <a:spcBef>
-                <a:spcPct val="0"/>
-              </a:spcBef>
-              <a:spcAft>
-                <a:spcPct val="0"/>
-              </a:spcAft>
-              <a:defRPr>
-                <a:solidFill>
-                  <a:schemeClr val="tx1"/>
-                </a:solidFill>
-                <a:latin typeface="Lucida Sans" pitchFamily="34" charset="0"/>
-              </a:defRPr>
-            </a:lvl8pPr>
-            <a:lvl9pPr marL="3886200" indent="-228600" eaLnBrk="0" fontAlgn="base" hangingPunct="0">
-              <a:spcBef>
-                <a:spcPct val="0"/>
-              </a:spcBef>
-              <a:spcAft>
-                <a:spcPct val="0"/>
-              </a:spcAft>
-              <a:defRPr>
-                <a:solidFill>
-                  <a:schemeClr val="tx1"/>
-                </a:solidFill>
-                <a:latin typeface="Lucida Sans" pitchFamily="34" charset="0"/>
-              </a:defRPr>
-            </a:lvl9pPr>
-          </a:lstStyle>
-          <a:p>
-            <a:pPr eaLnBrk="1" hangingPunct="1"/>
-            <a:fld id="{9B5D2BC6-3A40-4AD8-9312-00BA7EC030F1}" type="slidenum">
-              <a:rPr lang="de-DE" altLang="de-DE"/>
-              <a:pPr eaLnBrk="1" hangingPunct="1"/>
-              <a:t>25</a:t>
-            </a:fld>
-            <a:endParaRPr lang="de-DE" altLang="de-DE"/>
-          </a:p>
-        </p:txBody>
-      </p:sp>
-      <p:sp>
-        <p:nvSpPr>
-          <p:cNvPr id="5124" name="Rectangle 2"/>
-          <p:cNvSpPr>
-            <a:spLocks noGrp="1" noChangeArrowheads="1"/>
-          </p:cNvSpPr>
-          <p:nvPr>
-            <p:ph type="title"/>
-          </p:nvPr>
-        </p:nvSpPr>
-        <p:spPr/>
-        <p:txBody>
-          <a:bodyPr/>
-          <a:lstStyle/>
-          <a:p>
-            <a:pPr eaLnBrk="1" hangingPunct="1"/>
-            <a:r>
-              <a:rPr lang="de-DE" altLang="de-DE" smtClean="0"/>
-              <a:t>Folientitel</a:t>
-            </a:r>
-          </a:p>
-        </p:txBody>
-      </p:sp>
-      <p:sp>
-        <p:nvSpPr>
-          <p:cNvPr id="5125" name="Rectangle 3"/>
-          <p:cNvSpPr>
-            <a:spLocks noGrp="1" noChangeArrowheads="1"/>
-          </p:cNvSpPr>
-          <p:nvPr>
-            <p:ph type="body" idx="1"/>
-          </p:nvPr>
-        </p:nvSpPr>
-        <p:spPr/>
-        <p:txBody>
-          <a:bodyPr/>
-          <a:lstStyle/>
-          <a:p>
-            <a:pPr marL="457200" indent="-457200" eaLnBrk="1" hangingPunct="1">
-              <a:buFontTx/>
-              <a:buAutoNum type="arabicPeriod"/>
-            </a:pPr>
-            <a:r>
-              <a:rPr lang="de-DE" altLang="de-DE" smtClean="0"/>
-              <a:t>Aufzählung erster Punkt</a:t>
-            </a:r>
-          </a:p>
-          <a:p>
-            <a:pPr marL="457200" indent="-457200" eaLnBrk="1" hangingPunct="1">
-              <a:buFontTx/>
-              <a:buAutoNum type="arabicPeriod"/>
-            </a:pPr>
-            <a:r>
-              <a:rPr lang="de-DE" altLang="de-DE" smtClean="0"/>
-              <a:t>Aufzählung zweiter Punkt</a:t>
-            </a:r>
-          </a:p>
-          <a:p>
-            <a:pPr marL="838200" lvl="1" indent="-381000" eaLnBrk="1" hangingPunct="1">
-              <a:buFontTx/>
-              <a:buChar char="•"/>
-            </a:pPr>
-            <a:r>
-              <a:rPr lang="de-DE" altLang="de-DE" smtClean="0"/>
-              <a:t>Aufzählungspunkt mit Unterpunkten</a:t>
-            </a:r>
-          </a:p>
-          <a:p>
-            <a:pPr marL="838200" lvl="1" indent="-381000" eaLnBrk="1" hangingPunct="1">
-              <a:buFontTx/>
-              <a:buChar char="•"/>
-            </a:pPr>
-            <a:r>
-              <a:rPr lang="de-DE" altLang="de-DE" smtClean="0"/>
-              <a:t>Aufzählungspunkt mit Unterpunkten</a:t>
-            </a:r>
-          </a:p>
-          <a:p>
-            <a:pPr marL="457200" indent="-457200" eaLnBrk="1" hangingPunct="1">
-              <a:buFontTx/>
-              <a:buAutoNum type="arabicPeriod"/>
-            </a:pPr>
-            <a:endParaRPr lang="de-DE" altLang="de-DE" smtClean="0"/>
           </a:p>
         </p:txBody>
       </p:sp>
@@ -15006,6 +14873,386 @@
       </p:grpSpPr>
       <p:sp>
         <p:nvSpPr>
+          <p:cNvPr id="5122" name="Fußzeilenplatzhalter 3"/>
+          <p:cNvSpPr>
+            <a:spLocks noGrp="1"/>
+          </p:cNvSpPr>
+          <p:nvPr>
+            <p:ph type="ftr" sz="quarter" idx="10"/>
+          </p:nvPr>
+        </p:nvSpPr>
+        <p:spPr>
+          <a:noFill/>
+        </p:spPr>
+        <p:txBody>
+          <a:bodyPr/>
+          <a:lstStyle>
+            <a:lvl1pPr eaLnBrk="0" hangingPunct="0">
+              <a:defRPr>
+                <a:solidFill>
+                  <a:schemeClr val="tx1"/>
+                </a:solidFill>
+                <a:latin typeface="Lucida Sans" pitchFamily="34" charset="0"/>
+              </a:defRPr>
+            </a:lvl1pPr>
+            <a:lvl2pPr marL="742950" indent="-285750" eaLnBrk="0" hangingPunct="0">
+              <a:defRPr>
+                <a:solidFill>
+                  <a:schemeClr val="tx1"/>
+                </a:solidFill>
+                <a:latin typeface="Lucida Sans" pitchFamily="34" charset="0"/>
+              </a:defRPr>
+            </a:lvl2pPr>
+            <a:lvl3pPr marL="1143000" indent="-228600" eaLnBrk="0" hangingPunct="0">
+              <a:defRPr>
+                <a:solidFill>
+                  <a:schemeClr val="tx1"/>
+                </a:solidFill>
+                <a:latin typeface="Lucida Sans" pitchFamily="34" charset="0"/>
+              </a:defRPr>
+            </a:lvl3pPr>
+            <a:lvl4pPr marL="1600200" indent="-228600" eaLnBrk="0" hangingPunct="0">
+              <a:defRPr>
+                <a:solidFill>
+                  <a:schemeClr val="tx1"/>
+                </a:solidFill>
+                <a:latin typeface="Lucida Sans" pitchFamily="34" charset="0"/>
+              </a:defRPr>
+            </a:lvl4pPr>
+            <a:lvl5pPr marL="2057400" indent="-228600" eaLnBrk="0" hangingPunct="0">
+              <a:defRPr>
+                <a:solidFill>
+                  <a:schemeClr val="tx1"/>
+                </a:solidFill>
+                <a:latin typeface="Lucida Sans" pitchFamily="34" charset="0"/>
+              </a:defRPr>
+            </a:lvl5pPr>
+            <a:lvl6pPr marL="2514600" indent="-228600" eaLnBrk="0" fontAlgn="base" hangingPunct="0">
+              <a:spcBef>
+                <a:spcPct val="0"/>
+              </a:spcBef>
+              <a:spcAft>
+                <a:spcPct val="0"/>
+              </a:spcAft>
+              <a:defRPr>
+                <a:solidFill>
+                  <a:schemeClr val="tx1"/>
+                </a:solidFill>
+                <a:latin typeface="Lucida Sans" pitchFamily="34" charset="0"/>
+              </a:defRPr>
+            </a:lvl6pPr>
+            <a:lvl7pPr marL="2971800" indent="-228600" eaLnBrk="0" fontAlgn="base" hangingPunct="0">
+              <a:spcBef>
+                <a:spcPct val="0"/>
+              </a:spcBef>
+              <a:spcAft>
+                <a:spcPct val="0"/>
+              </a:spcAft>
+              <a:defRPr>
+                <a:solidFill>
+                  <a:schemeClr val="tx1"/>
+                </a:solidFill>
+                <a:latin typeface="Lucida Sans" pitchFamily="34" charset="0"/>
+              </a:defRPr>
+            </a:lvl7pPr>
+            <a:lvl8pPr marL="3429000" indent="-228600" eaLnBrk="0" fontAlgn="base" hangingPunct="0">
+              <a:spcBef>
+                <a:spcPct val="0"/>
+              </a:spcBef>
+              <a:spcAft>
+                <a:spcPct val="0"/>
+              </a:spcAft>
+              <a:defRPr>
+                <a:solidFill>
+                  <a:schemeClr val="tx1"/>
+                </a:solidFill>
+                <a:latin typeface="Lucida Sans" pitchFamily="34" charset="0"/>
+              </a:defRPr>
+            </a:lvl8pPr>
+            <a:lvl9pPr marL="3886200" indent="-228600" eaLnBrk="0" fontAlgn="base" hangingPunct="0">
+              <a:spcBef>
+                <a:spcPct val="0"/>
+              </a:spcBef>
+              <a:spcAft>
+                <a:spcPct val="0"/>
+              </a:spcAft>
+              <a:defRPr>
+                <a:solidFill>
+                  <a:schemeClr val="tx1"/>
+                </a:solidFill>
+                <a:latin typeface="Lucida Sans" pitchFamily="34" charset="0"/>
+              </a:defRPr>
+            </a:lvl9pPr>
+          </a:lstStyle>
+          <a:p>
+            <a:pPr eaLnBrk="1" hangingPunct="1"/>
+            <a:r>
+              <a:rPr lang="de-DE" altLang="de-DE" dirty="0"/>
+              <a:t>Hochschule Konstanz | Titel der Präsentation | Datum etc.</a:t>
+            </a:r>
+          </a:p>
+          <a:p>
+            <a:pPr eaLnBrk="1" hangingPunct="1"/>
+            <a:endParaRPr lang="de-DE" altLang="de-DE" dirty="0"/>
+          </a:p>
+          <a:p>
+            <a:pPr eaLnBrk="1" hangingPunct="1"/>
+            <a:endParaRPr lang="de-DE" altLang="de-DE" dirty="0"/>
+          </a:p>
+        </p:txBody>
+      </p:sp>
+      <p:sp>
+        <p:nvSpPr>
+          <p:cNvPr id="5123" name="Foliennummernplatzhalter 4"/>
+          <p:cNvSpPr>
+            <a:spLocks noGrp="1"/>
+          </p:cNvSpPr>
+          <p:nvPr>
+            <p:ph type="sldNum" sz="quarter" idx="11"/>
+          </p:nvPr>
+        </p:nvSpPr>
+        <p:spPr>
+          <a:noFill/>
+        </p:spPr>
+        <p:txBody>
+          <a:bodyPr/>
+          <a:lstStyle>
+            <a:lvl1pPr eaLnBrk="0" hangingPunct="0">
+              <a:defRPr>
+                <a:solidFill>
+                  <a:schemeClr val="tx1"/>
+                </a:solidFill>
+                <a:latin typeface="Lucida Sans" pitchFamily="34" charset="0"/>
+              </a:defRPr>
+            </a:lvl1pPr>
+            <a:lvl2pPr marL="742950" indent="-285750" eaLnBrk="0" hangingPunct="0">
+              <a:defRPr>
+                <a:solidFill>
+                  <a:schemeClr val="tx1"/>
+                </a:solidFill>
+                <a:latin typeface="Lucida Sans" pitchFamily="34" charset="0"/>
+              </a:defRPr>
+            </a:lvl2pPr>
+            <a:lvl3pPr marL="1143000" indent="-228600" eaLnBrk="0" hangingPunct="0">
+              <a:defRPr>
+                <a:solidFill>
+                  <a:schemeClr val="tx1"/>
+                </a:solidFill>
+                <a:latin typeface="Lucida Sans" pitchFamily="34" charset="0"/>
+              </a:defRPr>
+            </a:lvl3pPr>
+            <a:lvl4pPr marL="1600200" indent="-228600" eaLnBrk="0" hangingPunct="0">
+              <a:defRPr>
+                <a:solidFill>
+                  <a:schemeClr val="tx1"/>
+                </a:solidFill>
+                <a:latin typeface="Lucida Sans" pitchFamily="34" charset="0"/>
+              </a:defRPr>
+            </a:lvl4pPr>
+            <a:lvl5pPr marL="2057400" indent="-228600" eaLnBrk="0" hangingPunct="0">
+              <a:defRPr>
+                <a:solidFill>
+                  <a:schemeClr val="tx1"/>
+                </a:solidFill>
+                <a:latin typeface="Lucida Sans" pitchFamily="34" charset="0"/>
+              </a:defRPr>
+            </a:lvl5pPr>
+            <a:lvl6pPr marL="2514600" indent="-228600" eaLnBrk="0" fontAlgn="base" hangingPunct="0">
+              <a:spcBef>
+                <a:spcPct val="0"/>
+              </a:spcBef>
+              <a:spcAft>
+                <a:spcPct val="0"/>
+              </a:spcAft>
+              <a:defRPr>
+                <a:solidFill>
+                  <a:schemeClr val="tx1"/>
+                </a:solidFill>
+                <a:latin typeface="Lucida Sans" pitchFamily="34" charset="0"/>
+              </a:defRPr>
+            </a:lvl6pPr>
+            <a:lvl7pPr marL="2971800" indent="-228600" eaLnBrk="0" fontAlgn="base" hangingPunct="0">
+              <a:spcBef>
+                <a:spcPct val="0"/>
+              </a:spcBef>
+              <a:spcAft>
+                <a:spcPct val="0"/>
+              </a:spcAft>
+              <a:defRPr>
+                <a:solidFill>
+                  <a:schemeClr val="tx1"/>
+                </a:solidFill>
+                <a:latin typeface="Lucida Sans" pitchFamily="34" charset="0"/>
+              </a:defRPr>
+            </a:lvl7pPr>
+            <a:lvl8pPr marL="3429000" indent="-228600" eaLnBrk="0" fontAlgn="base" hangingPunct="0">
+              <a:spcBef>
+                <a:spcPct val="0"/>
+              </a:spcBef>
+              <a:spcAft>
+                <a:spcPct val="0"/>
+              </a:spcAft>
+              <a:defRPr>
+                <a:solidFill>
+                  <a:schemeClr val="tx1"/>
+                </a:solidFill>
+                <a:latin typeface="Lucida Sans" pitchFamily="34" charset="0"/>
+              </a:defRPr>
+            </a:lvl8pPr>
+            <a:lvl9pPr marL="3886200" indent="-228600" eaLnBrk="0" fontAlgn="base" hangingPunct="0">
+              <a:spcBef>
+                <a:spcPct val="0"/>
+              </a:spcBef>
+              <a:spcAft>
+                <a:spcPct val="0"/>
+              </a:spcAft>
+              <a:defRPr>
+                <a:solidFill>
+                  <a:schemeClr val="tx1"/>
+                </a:solidFill>
+                <a:latin typeface="Lucida Sans" pitchFamily="34" charset="0"/>
+              </a:defRPr>
+            </a:lvl9pPr>
+          </a:lstStyle>
+          <a:p>
+            <a:pPr eaLnBrk="1" hangingPunct="1"/>
+            <a:fld id="{9B5D2BC6-3A40-4AD8-9312-00BA7EC030F1}" type="slidenum">
+              <a:rPr lang="de-DE" altLang="de-DE"/>
+              <a:pPr eaLnBrk="1" hangingPunct="1"/>
+              <a:t>26</a:t>
+            </a:fld>
+            <a:endParaRPr lang="de-DE" altLang="de-DE"/>
+          </a:p>
+        </p:txBody>
+      </p:sp>
+      <p:sp>
+        <p:nvSpPr>
+          <p:cNvPr id="5124" name="Rectangle 2"/>
+          <p:cNvSpPr>
+            <a:spLocks noGrp="1" noChangeArrowheads="1"/>
+          </p:cNvSpPr>
+          <p:nvPr>
+            <p:ph type="title"/>
+          </p:nvPr>
+        </p:nvSpPr>
+        <p:spPr/>
+        <p:txBody>
+          <a:bodyPr/>
+          <a:lstStyle/>
+          <a:p>
+            <a:pPr eaLnBrk="1" hangingPunct="1"/>
+            <a:r>
+              <a:rPr lang="de-DE" altLang="de-DE" smtClean="0"/>
+              <a:t>Folientitel</a:t>
+            </a:r>
+          </a:p>
+        </p:txBody>
+      </p:sp>
+      <p:sp>
+        <p:nvSpPr>
+          <p:cNvPr id="5125" name="Rectangle 3"/>
+          <p:cNvSpPr>
+            <a:spLocks noGrp="1" noChangeArrowheads="1"/>
+          </p:cNvSpPr>
+          <p:nvPr>
+            <p:ph type="body" idx="1"/>
+          </p:nvPr>
+        </p:nvSpPr>
+        <p:spPr/>
+        <p:txBody>
+          <a:bodyPr/>
+          <a:lstStyle/>
+          <a:p>
+            <a:pPr marL="457200" indent="-457200" eaLnBrk="1" hangingPunct="1">
+              <a:buFontTx/>
+              <a:buAutoNum type="arabicPeriod"/>
+            </a:pPr>
+            <a:r>
+              <a:rPr lang="de-DE" altLang="de-DE" smtClean="0"/>
+              <a:t>Aufzählung erster Punkt</a:t>
+            </a:r>
+          </a:p>
+          <a:p>
+            <a:pPr marL="457200" indent="-457200" eaLnBrk="1" hangingPunct="1">
+              <a:buFontTx/>
+              <a:buAutoNum type="arabicPeriod"/>
+            </a:pPr>
+            <a:r>
+              <a:rPr lang="de-DE" altLang="de-DE" smtClean="0"/>
+              <a:t>Aufzählung zweiter Punkt</a:t>
+            </a:r>
+          </a:p>
+          <a:p>
+            <a:pPr marL="838200" lvl="1" indent="-381000" eaLnBrk="1" hangingPunct="1">
+              <a:buFontTx/>
+              <a:buChar char="•"/>
+            </a:pPr>
+            <a:r>
+              <a:rPr lang="de-DE" altLang="de-DE" smtClean="0"/>
+              <a:t>Aufzählungspunkt mit Unterpunkten</a:t>
+            </a:r>
+          </a:p>
+          <a:p>
+            <a:pPr marL="838200" lvl="1" indent="-381000" eaLnBrk="1" hangingPunct="1">
+              <a:buFontTx/>
+              <a:buChar char="•"/>
+            </a:pPr>
+            <a:r>
+              <a:rPr lang="de-DE" altLang="de-DE" smtClean="0"/>
+              <a:t>Aufzählungspunkt mit Unterpunkten</a:t>
+            </a:r>
+          </a:p>
+          <a:p>
+            <a:pPr marL="457200" indent="-457200" eaLnBrk="1" hangingPunct="1">
+              <a:buFontTx/>
+              <a:buAutoNum type="arabicPeriod"/>
+            </a:pPr>
+            <a:endParaRPr lang="de-DE" altLang="de-DE" smtClean="0"/>
+          </a:p>
+        </p:txBody>
+      </p:sp>
+    </p:spTree>
+  </p:cSld>
+  <p:clrMapOvr>
+    <a:masterClrMapping/>
+  </p:clrMapOvr>
+  <mc:AlternateContent xmlns:mc="http://schemas.openxmlformats.org/markup-compatibility/2006" xmlns:p14="http://schemas.microsoft.com/office/powerpoint/2010/main">
+    <mc:Choice Requires="p14">
+      <p:transition spd="slow" p14:dur="2000"/>
+    </mc:Choice>
+    <mc:Fallback xmlns="">
+      <p:transition spd="slow"/>
+    </mc:Fallback>
+  </mc:AlternateContent>
+  <p:timing>
+    <p:tnLst>
+      <p:par>
+        <p:cTn id="1" dur="indefinite" restart="never" nodeType="tmRoot"/>
+      </p:par>
+    </p:tnLst>
+  </p:timing>
+</p:sld>
+</file>
+
+<file path=ppt/slides/slide27.xml><?xml version="1.0" encoding="utf-8"?>
+<p:sld xmlns:a="http://schemas.openxmlformats.org/drawingml/2006/main" xmlns:r="http://schemas.openxmlformats.org/officeDocument/2006/relationships" xmlns:p="http://schemas.openxmlformats.org/presentationml/2006/main" show="0">
+  <p:cSld>
+    <p:spTree>
+      <p:nvGrpSpPr>
+        <p:cNvPr id="1" name=""/>
+        <p:cNvGrpSpPr/>
+        <p:nvPr/>
+      </p:nvGrpSpPr>
+      <p:grpSpPr>
+        <a:xfrm>
+          <a:off x="0" y="0"/>
+          <a:ext cx="0" cy="0"/>
+          <a:chOff x="0" y="0"/>
+          <a:chExt cx="0" cy="0"/>
+        </a:xfrm>
+      </p:grpSpPr>
+      <p:sp>
+        <p:nvSpPr>
           <p:cNvPr id="6146" name="Fußzeilenplatzhalter 3"/>
           <p:cNvSpPr>
             <a:spLocks noGrp="1"/>
@@ -15252,7 +15499,7 @@
             <a:fld id="{9B750B02-D817-4C6D-B463-CDBADCE2DC2B}" type="slidenum">
               <a:rPr lang="de-DE" altLang="de-DE"/>
               <a:pPr eaLnBrk="1" hangingPunct="1"/>
-              <a:t>26</a:t>
+              <a:t>27</a:t>
             </a:fld>
             <a:endParaRPr lang="de-DE" altLang="de-DE"/>
           </a:p>
@@ -22306,7 +22553,7 @@
 </p:sld>
 </file>
 
-<file path=ppt/slides/slide27.xml><?xml version="1.0" encoding="utf-8"?>
+<file path=ppt/slides/slide28.xml><?xml version="1.0" encoding="utf-8"?>
 <p:sld xmlns:a="http://schemas.openxmlformats.org/drawingml/2006/main" xmlns:r="http://schemas.openxmlformats.org/officeDocument/2006/relationships" xmlns:p="http://schemas.openxmlformats.org/presentationml/2006/main" show="0">
   <p:cSld>
     <p:spTree>
@@ -22571,7 +22818,7 @@
             <a:fld id="{257928F6-15F7-4A44-A35C-8031E0FACE8E}" type="slidenum">
               <a:rPr lang="de-DE" altLang="de-DE"/>
               <a:pPr eaLnBrk="1" hangingPunct="1"/>
-              <a:t>27</a:t>
+              <a:t>28</a:t>
             </a:fld>
             <a:endParaRPr lang="de-DE" altLang="de-DE"/>
           </a:p>
@@ -22664,535 +22911,6 @@
           </a:extLst>
         </p:spPr>
       </p:pic>
-    </p:spTree>
-  </p:cSld>
-  <p:clrMapOvr>
-    <a:masterClrMapping/>
-  </p:clrMapOvr>
-  <mc:AlternateContent xmlns:mc="http://schemas.openxmlformats.org/markup-compatibility/2006" xmlns:p14="http://schemas.microsoft.com/office/powerpoint/2010/main">
-    <mc:Choice Requires="p14">
-      <p:transition spd="slow" p14:dur="2000"/>
-    </mc:Choice>
-    <mc:Fallback xmlns="">
-      <p:transition spd="slow"/>
-    </mc:Fallback>
-  </mc:AlternateContent>
-  <p:timing>
-    <p:tnLst>
-      <p:par>
-        <p:cTn id="1" dur="indefinite" restart="never" nodeType="tmRoot"/>
-      </p:par>
-    </p:tnLst>
-  </p:timing>
-</p:sld>
-</file>
-
-<file path=ppt/slides/slide28.xml><?xml version="1.0" encoding="utf-8"?>
-<p:sld xmlns:a="http://schemas.openxmlformats.org/drawingml/2006/main" xmlns:r="http://schemas.openxmlformats.org/officeDocument/2006/relationships" xmlns:p="http://schemas.openxmlformats.org/presentationml/2006/main" show="0">
-  <p:cSld>
-    <p:spTree>
-      <p:nvGrpSpPr>
-        <p:cNvPr id="1" name=""/>
-        <p:cNvGrpSpPr/>
-        <p:nvPr/>
-      </p:nvGrpSpPr>
-      <p:grpSpPr>
-        <a:xfrm>
-          <a:off x="0" y="0"/>
-          <a:ext cx="0" cy="0"/>
-          <a:chOff x="0" y="0"/>
-          <a:chExt cx="0" cy="0"/>
-        </a:xfrm>
-      </p:grpSpPr>
-      <p:sp>
-        <p:nvSpPr>
-          <p:cNvPr id="8194" name="Fußzeilenplatzhalter 3"/>
-          <p:cNvSpPr>
-            <a:spLocks noGrp="1"/>
-          </p:cNvSpPr>
-          <p:nvPr>
-            <p:ph type="ftr" sz="quarter" idx="10"/>
-          </p:nvPr>
-        </p:nvSpPr>
-        <p:spPr>
-          <a:noFill/>
-        </p:spPr>
-        <p:txBody>
-          <a:bodyPr/>
-          <a:lstStyle>
-            <a:lvl1pPr eaLnBrk="0" hangingPunct="0">
-              <a:defRPr>
-                <a:solidFill>
-                  <a:schemeClr val="tx1"/>
-                </a:solidFill>
-                <a:latin typeface="Lucida Sans" pitchFamily="34" charset="0"/>
-              </a:defRPr>
-            </a:lvl1pPr>
-            <a:lvl2pPr marL="742950" indent="-285750" eaLnBrk="0" hangingPunct="0">
-              <a:defRPr>
-                <a:solidFill>
-                  <a:schemeClr val="tx1"/>
-                </a:solidFill>
-                <a:latin typeface="Lucida Sans" pitchFamily="34" charset="0"/>
-              </a:defRPr>
-            </a:lvl2pPr>
-            <a:lvl3pPr marL="1143000" indent="-228600" eaLnBrk="0" hangingPunct="0">
-              <a:defRPr>
-                <a:solidFill>
-                  <a:schemeClr val="tx1"/>
-                </a:solidFill>
-                <a:latin typeface="Lucida Sans" pitchFamily="34" charset="0"/>
-              </a:defRPr>
-            </a:lvl3pPr>
-            <a:lvl4pPr marL="1600200" indent="-228600" eaLnBrk="0" hangingPunct="0">
-              <a:defRPr>
-                <a:solidFill>
-                  <a:schemeClr val="tx1"/>
-                </a:solidFill>
-                <a:latin typeface="Lucida Sans" pitchFamily="34" charset="0"/>
-              </a:defRPr>
-            </a:lvl4pPr>
-            <a:lvl5pPr marL="2057400" indent="-228600" eaLnBrk="0" hangingPunct="0">
-              <a:defRPr>
-                <a:solidFill>
-                  <a:schemeClr val="tx1"/>
-                </a:solidFill>
-                <a:latin typeface="Lucida Sans" pitchFamily="34" charset="0"/>
-              </a:defRPr>
-            </a:lvl5pPr>
-            <a:lvl6pPr marL="2514600" indent="-228600" eaLnBrk="0" fontAlgn="base" hangingPunct="0">
-              <a:spcBef>
-                <a:spcPct val="0"/>
-              </a:spcBef>
-              <a:spcAft>
-                <a:spcPct val="0"/>
-              </a:spcAft>
-              <a:defRPr>
-                <a:solidFill>
-                  <a:schemeClr val="tx1"/>
-                </a:solidFill>
-                <a:latin typeface="Lucida Sans" pitchFamily="34" charset="0"/>
-              </a:defRPr>
-            </a:lvl6pPr>
-            <a:lvl7pPr marL="2971800" indent="-228600" eaLnBrk="0" fontAlgn="base" hangingPunct="0">
-              <a:spcBef>
-                <a:spcPct val="0"/>
-              </a:spcBef>
-              <a:spcAft>
-                <a:spcPct val="0"/>
-              </a:spcAft>
-              <a:defRPr>
-                <a:solidFill>
-                  <a:schemeClr val="tx1"/>
-                </a:solidFill>
-                <a:latin typeface="Lucida Sans" pitchFamily="34" charset="0"/>
-              </a:defRPr>
-            </a:lvl7pPr>
-            <a:lvl8pPr marL="3429000" indent="-228600" eaLnBrk="0" fontAlgn="base" hangingPunct="0">
-              <a:spcBef>
-                <a:spcPct val="0"/>
-              </a:spcBef>
-              <a:spcAft>
-                <a:spcPct val="0"/>
-              </a:spcAft>
-              <a:defRPr>
-                <a:solidFill>
-                  <a:schemeClr val="tx1"/>
-                </a:solidFill>
-                <a:latin typeface="Lucida Sans" pitchFamily="34" charset="0"/>
-              </a:defRPr>
-            </a:lvl8pPr>
-            <a:lvl9pPr marL="3886200" indent="-228600" eaLnBrk="0" fontAlgn="base" hangingPunct="0">
-              <a:spcBef>
-                <a:spcPct val="0"/>
-              </a:spcBef>
-              <a:spcAft>
-                <a:spcPct val="0"/>
-              </a:spcAft>
-              <a:defRPr>
-                <a:solidFill>
-                  <a:schemeClr val="tx1"/>
-                </a:solidFill>
-                <a:latin typeface="Lucida Sans" pitchFamily="34" charset="0"/>
-              </a:defRPr>
-            </a:lvl9pPr>
-          </a:lstStyle>
-          <a:p>
-            <a:pPr eaLnBrk="1" hangingPunct="1"/>
-            <a:r>
-              <a:rPr lang="de-DE" altLang="de-DE"/>
-              <a:t>Hochschule Konstanz | Titel der Präsentation | Datum etc.</a:t>
-            </a:r>
-          </a:p>
-          <a:p>
-            <a:pPr eaLnBrk="1" hangingPunct="1"/>
-            <a:endParaRPr lang="de-DE" altLang="de-DE"/>
-          </a:p>
-          <a:p>
-            <a:pPr eaLnBrk="1" hangingPunct="1"/>
-            <a:endParaRPr lang="de-DE" altLang="de-DE"/>
-          </a:p>
-        </p:txBody>
-      </p:sp>
-      <p:sp>
-        <p:nvSpPr>
-          <p:cNvPr id="8195" name="Foliennummernplatzhalter 4"/>
-          <p:cNvSpPr>
-            <a:spLocks noGrp="1"/>
-          </p:cNvSpPr>
-          <p:nvPr>
-            <p:ph type="sldNum" sz="quarter" idx="11"/>
-          </p:nvPr>
-        </p:nvSpPr>
-        <p:spPr>
-          <a:noFill/>
-        </p:spPr>
-        <p:txBody>
-          <a:bodyPr/>
-          <a:lstStyle>
-            <a:lvl1pPr eaLnBrk="0" hangingPunct="0">
-              <a:defRPr>
-                <a:solidFill>
-                  <a:schemeClr val="tx1"/>
-                </a:solidFill>
-                <a:latin typeface="Lucida Sans" pitchFamily="34" charset="0"/>
-              </a:defRPr>
-            </a:lvl1pPr>
-            <a:lvl2pPr marL="742950" indent="-285750" eaLnBrk="0" hangingPunct="0">
-              <a:defRPr>
-                <a:solidFill>
-                  <a:schemeClr val="tx1"/>
-                </a:solidFill>
-                <a:latin typeface="Lucida Sans" pitchFamily="34" charset="0"/>
-              </a:defRPr>
-            </a:lvl2pPr>
-            <a:lvl3pPr marL="1143000" indent="-228600" eaLnBrk="0" hangingPunct="0">
-              <a:defRPr>
-                <a:solidFill>
-                  <a:schemeClr val="tx1"/>
-                </a:solidFill>
-                <a:latin typeface="Lucida Sans" pitchFamily="34" charset="0"/>
-              </a:defRPr>
-            </a:lvl3pPr>
-            <a:lvl4pPr marL="1600200" indent="-228600" eaLnBrk="0" hangingPunct="0">
-              <a:defRPr>
-                <a:solidFill>
-                  <a:schemeClr val="tx1"/>
-                </a:solidFill>
-                <a:latin typeface="Lucida Sans" pitchFamily="34" charset="0"/>
-              </a:defRPr>
-            </a:lvl4pPr>
-            <a:lvl5pPr marL="2057400" indent="-228600" eaLnBrk="0" hangingPunct="0">
-              <a:defRPr>
-                <a:solidFill>
-                  <a:schemeClr val="tx1"/>
-                </a:solidFill>
-                <a:latin typeface="Lucida Sans" pitchFamily="34" charset="0"/>
-              </a:defRPr>
-            </a:lvl5pPr>
-            <a:lvl6pPr marL="2514600" indent="-228600" eaLnBrk="0" fontAlgn="base" hangingPunct="0">
-              <a:spcBef>
-                <a:spcPct val="0"/>
-              </a:spcBef>
-              <a:spcAft>
-                <a:spcPct val="0"/>
-              </a:spcAft>
-              <a:defRPr>
-                <a:solidFill>
-                  <a:schemeClr val="tx1"/>
-                </a:solidFill>
-                <a:latin typeface="Lucida Sans" pitchFamily="34" charset="0"/>
-              </a:defRPr>
-            </a:lvl6pPr>
-            <a:lvl7pPr marL="2971800" indent="-228600" eaLnBrk="0" fontAlgn="base" hangingPunct="0">
-              <a:spcBef>
-                <a:spcPct val="0"/>
-              </a:spcBef>
-              <a:spcAft>
-                <a:spcPct val="0"/>
-              </a:spcAft>
-              <a:defRPr>
-                <a:solidFill>
-                  <a:schemeClr val="tx1"/>
-                </a:solidFill>
-                <a:latin typeface="Lucida Sans" pitchFamily="34" charset="0"/>
-              </a:defRPr>
-            </a:lvl7pPr>
-            <a:lvl8pPr marL="3429000" indent="-228600" eaLnBrk="0" fontAlgn="base" hangingPunct="0">
-              <a:spcBef>
-                <a:spcPct val="0"/>
-              </a:spcBef>
-              <a:spcAft>
-                <a:spcPct val="0"/>
-              </a:spcAft>
-              <a:defRPr>
-                <a:solidFill>
-                  <a:schemeClr val="tx1"/>
-                </a:solidFill>
-                <a:latin typeface="Lucida Sans" pitchFamily="34" charset="0"/>
-              </a:defRPr>
-            </a:lvl8pPr>
-            <a:lvl9pPr marL="3886200" indent="-228600" eaLnBrk="0" fontAlgn="base" hangingPunct="0">
-              <a:spcBef>
-                <a:spcPct val="0"/>
-              </a:spcBef>
-              <a:spcAft>
-                <a:spcPct val="0"/>
-              </a:spcAft>
-              <a:defRPr>
-                <a:solidFill>
-                  <a:schemeClr val="tx1"/>
-                </a:solidFill>
-                <a:latin typeface="Lucida Sans" pitchFamily="34" charset="0"/>
-              </a:defRPr>
-            </a:lvl9pPr>
-          </a:lstStyle>
-          <a:p>
-            <a:pPr eaLnBrk="1" hangingPunct="1"/>
-            <a:fld id="{FC07932D-73EA-4958-BAC3-A79F0289C4A1}" type="slidenum">
-              <a:rPr lang="de-DE" altLang="de-DE"/>
-              <a:pPr eaLnBrk="1" hangingPunct="1"/>
-              <a:t>28</a:t>
-            </a:fld>
-            <a:endParaRPr lang="de-DE" altLang="de-DE"/>
-          </a:p>
-        </p:txBody>
-      </p:sp>
-      <p:sp>
-        <p:nvSpPr>
-          <p:cNvPr id="8196" name="Rectangle 2"/>
-          <p:cNvSpPr>
-            <a:spLocks noGrp="1" noChangeArrowheads="1"/>
-          </p:cNvSpPr>
-          <p:nvPr>
-            <p:ph type="title"/>
-          </p:nvPr>
-        </p:nvSpPr>
-        <p:spPr/>
-        <p:txBody>
-          <a:bodyPr/>
-          <a:lstStyle/>
-          <a:p>
-            <a:pPr eaLnBrk="1" hangingPunct="1"/>
-            <a:r>
-              <a:rPr lang="de-DE" altLang="de-DE" smtClean="0"/>
-              <a:t>Bilder</a:t>
-            </a:r>
-          </a:p>
-        </p:txBody>
-      </p:sp>
-      <p:pic>
-        <p:nvPicPr>
-          <p:cNvPr id="8197" name="Picture 3" descr="EI Shooting-007337"/>
-          <p:cNvPicPr>
-            <a:picLocks noChangeAspect="1" noChangeArrowheads="1"/>
-          </p:cNvPicPr>
-          <p:nvPr/>
-        </p:nvPicPr>
-        <p:blipFill>
-          <a:blip r:embed="rId2">
-            <a:extLst>
-              <a:ext uri="{28A0092B-C50C-407E-A947-70E740481C1C}">
-                <a14:useLocalDpi xmlns:a14="http://schemas.microsoft.com/office/drawing/2010/main" val="0"/>
-              </a:ext>
-            </a:extLst>
-          </a:blip>
-          <a:srcRect/>
-          <a:stretch>
-            <a:fillRect/>
-          </a:stretch>
-        </p:blipFill>
-        <p:spPr bwMode="auto">
-          <a:xfrm>
-            <a:off x="971550" y="1628775"/>
-            <a:ext cx="6448425" cy="4316413"/>
-          </a:xfrm>
-          <a:prstGeom prst="rect">
-            <a:avLst/>
-          </a:prstGeom>
-          <a:noFill/>
-          <a:ln>
-            <a:noFill/>
-          </a:ln>
-          <a:extLst>
-            <a:ext uri="{909E8E84-426E-40DD-AFC4-6F175D3DCCD1}">
-              <a14:hiddenFill xmlns:a14="http://schemas.microsoft.com/office/drawing/2010/main">
-                <a:solidFill>
-                  <a:srgbClr val="FFFFFF"/>
-                </a:solidFill>
-              </a14:hiddenFill>
-            </a:ext>
-            <a:ext uri="{91240B29-F687-4F45-9708-019B960494DF}">
-              <a14:hiddenLine xmlns:a14="http://schemas.microsoft.com/office/drawing/2010/main" w="9525">
-                <a:solidFill>
-                  <a:srgbClr val="000000"/>
-                </a:solidFill>
-                <a:miter lim="800000"/>
-                <a:headEnd/>
-                <a:tailEnd/>
-              </a14:hiddenLine>
-            </a:ext>
-          </a:extLst>
-        </p:spPr>
-      </p:pic>
-      <p:sp>
-        <p:nvSpPr>
-          <p:cNvPr id="8198" name="Rectangle 4"/>
-          <p:cNvSpPr>
-            <a:spLocks noChangeArrowheads="1"/>
-          </p:cNvSpPr>
-          <p:nvPr/>
-        </p:nvSpPr>
-        <p:spPr bwMode="auto">
-          <a:xfrm>
-            <a:off x="5940425" y="4725988"/>
-            <a:ext cx="2952750" cy="1223962"/>
-          </a:xfrm>
-          <a:prstGeom prst="rect">
-            <a:avLst/>
-          </a:prstGeom>
-          <a:solidFill>
-            <a:srgbClr val="00AEEF"/>
-          </a:solidFill>
-          <a:ln>
-            <a:noFill/>
-          </a:ln>
-          <a:effectLst/>
-          <a:extLst>
-            <a:ext uri="{91240B29-F687-4F45-9708-019B960494DF}">
-              <a14:hiddenLine xmlns:a14="http://schemas.microsoft.com/office/drawing/2010/main" w="9525">
-                <a:solidFill>
-                  <a:schemeClr val="tx1"/>
-                </a:solidFill>
-                <a:miter lim="800000"/>
-                <a:headEnd/>
-                <a:tailEnd/>
-              </a14:hiddenLine>
-            </a:ext>
-            <a:ext uri="{AF507438-7753-43E0-B8FC-AC1667EBCBE1}">
-              <a14:hiddenEffects xmlns:a14="http://schemas.microsoft.com/office/drawing/2010/main">
-                <a:effectLst>
-                  <a:outerShdw dist="35921" dir="2700000" algn="ctr" rotWithShape="0">
-                    <a:schemeClr val="bg2"/>
-                  </a:outerShdw>
-                </a:effectLst>
-              </a14:hiddenEffects>
-            </a:ext>
-          </a:extLst>
-        </p:spPr>
-        <p:txBody>
-          <a:bodyPr anchor="ctr"/>
-          <a:lstStyle>
-            <a:lvl1pPr eaLnBrk="0" hangingPunct="0">
-              <a:defRPr>
-                <a:solidFill>
-                  <a:schemeClr val="tx1"/>
-                </a:solidFill>
-                <a:latin typeface="Lucida Sans" pitchFamily="34" charset="0"/>
-              </a:defRPr>
-            </a:lvl1pPr>
-            <a:lvl2pPr marL="742950" indent="-285750" eaLnBrk="0" hangingPunct="0">
-              <a:defRPr>
-                <a:solidFill>
-                  <a:schemeClr val="tx1"/>
-                </a:solidFill>
-                <a:latin typeface="Lucida Sans" pitchFamily="34" charset="0"/>
-              </a:defRPr>
-            </a:lvl2pPr>
-            <a:lvl3pPr marL="1143000" indent="-228600" eaLnBrk="0" hangingPunct="0">
-              <a:defRPr>
-                <a:solidFill>
-                  <a:schemeClr val="tx1"/>
-                </a:solidFill>
-                <a:latin typeface="Lucida Sans" pitchFamily="34" charset="0"/>
-              </a:defRPr>
-            </a:lvl3pPr>
-            <a:lvl4pPr marL="1600200" indent="-228600" eaLnBrk="0" hangingPunct="0">
-              <a:defRPr>
-                <a:solidFill>
-                  <a:schemeClr val="tx1"/>
-                </a:solidFill>
-                <a:latin typeface="Lucida Sans" pitchFamily="34" charset="0"/>
-              </a:defRPr>
-            </a:lvl4pPr>
-            <a:lvl5pPr marL="2057400" indent="-228600" eaLnBrk="0" hangingPunct="0">
-              <a:defRPr>
-                <a:solidFill>
-                  <a:schemeClr val="tx1"/>
-                </a:solidFill>
-                <a:latin typeface="Lucida Sans" pitchFamily="34" charset="0"/>
-              </a:defRPr>
-            </a:lvl5pPr>
-            <a:lvl6pPr marL="2514600" indent="-228600" eaLnBrk="0" fontAlgn="base" hangingPunct="0">
-              <a:spcBef>
-                <a:spcPct val="0"/>
-              </a:spcBef>
-              <a:spcAft>
-                <a:spcPct val="0"/>
-              </a:spcAft>
-              <a:defRPr>
-                <a:solidFill>
-                  <a:schemeClr val="tx1"/>
-                </a:solidFill>
-                <a:latin typeface="Lucida Sans" pitchFamily="34" charset="0"/>
-              </a:defRPr>
-            </a:lvl6pPr>
-            <a:lvl7pPr marL="2971800" indent="-228600" eaLnBrk="0" fontAlgn="base" hangingPunct="0">
-              <a:spcBef>
-                <a:spcPct val="0"/>
-              </a:spcBef>
-              <a:spcAft>
-                <a:spcPct val="0"/>
-              </a:spcAft>
-              <a:defRPr>
-                <a:solidFill>
-                  <a:schemeClr val="tx1"/>
-                </a:solidFill>
-                <a:latin typeface="Lucida Sans" pitchFamily="34" charset="0"/>
-              </a:defRPr>
-            </a:lvl7pPr>
-            <a:lvl8pPr marL="3429000" indent="-228600" eaLnBrk="0" fontAlgn="base" hangingPunct="0">
-              <a:spcBef>
-                <a:spcPct val="0"/>
-              </a:spcBef>
-              <a:spcAft>
-                <a:spcPct val="0"/>
-              </a:spcAft>
-              <a:defRPr>
-                <a:solidFill>
-                  <a:schemeClr val="tx1"/>
-                </a:solidFill>
-                <a:latin typeface="Lucida Sans" pitchFamily="34" charset="0"/>
-              </a:defRPr>
-            </a:lvl8pPr>
-            <a:lvl9pPr marL="3886200" indent="-228600" eaLnBrk="0" fontAlgn="base" hangingPunct="0">
-              <a:spcBef>
-                <a:spcPct val="0"/>
-              </a:spcBef>
-              <a:spcAft>
-                <a:spcPct val="0"/>
-              </a:spcAft>
-              <a:defRPr>
-                <a:solidFill>
-                  <a:schemeClr val="tx1"/>
-                </a:solidFill>
-                <a:latin typeface="Lucida Sans" pitchFamily="34" charset="0"/>
-              </a:defRPr>
-            </a:lvl9pPr>
-          </a:lstStyle>
-          <a:p>
-            <a:pPr algn="ctr" eaLnBrk="1" hangingPunct="1"/>
-            <a:r>
-              <a:rPr lang="de-DE" altLang="de-DE" sz="1600" dirty="0">
-                <a:solidFill>
-                  <a:schemeClr val="bg1"/>
-                </a:solidFill>
-              </a:rPr>
-              <a:t>Schrift kann Weiß auf blauem Hintergrund gesetzt werden.</a:t>
-            </a:r>
-          </a:p>
-        </p:txBody>
-      </p:sp>
     </p:spTree>
   </p:cSld>
   <p:clrMapOvr>
@@ -23235,7 +22953,7 @@
       </p:grpSpPr>
       <p:sp>
         <p:nvSpPr>
-          <p:cNvPr id="9218" name="Fußzeilenplatzhalter 3"/>
+          <p:cNvPr id="8194" name="Fußzeilenplatzhalter 3"/>
           <p:cNvSpPr>
             <a:spLocks noGrp="1"/>
           </p:cNvSpPr>
@@ -23365,7 +23083,7 @@
       </p:sp>
       <p:sp>
         <p:nvSpPr>
-          <p:cNvPr id="9219" name="Foliennummernplatzhalter 4"/>
+          <p:cNvPr id="8195" name="Foliennummernplatzhalter 4"/>
           <p:cNvSpPr>
             <a:spLocks noGrp="1"/>
           </p:cNvSpPr>
@@ -23478,7 +23196,7 @@
           </a:lstStyle>
           <a:p>
             <a:pPr eaLnBrk="1" hangingPunct="1"/>
-            <a:fld id="{D9BC2402-BD6A-4D78-AC48-FC536A3318E7}" type="slidenum">
+            <a:fld id="{FC07932D-73EA-4958-BAC3-A79F0289C4A1}" type="slidenum">
               <a:rPr lang="de-DE" altLang="de-DE"/>
               <a:pPr eaLnBrk="1" hangingPunct="1"/>
               <a:t>29</a:t>
@@ -23489,7 +23207,7 @@
       </p:sp>
       <p:sp>
         <p:nvSpPr>
-          <p:cNvPr id="9220" name="Rectangle 2"/>
+          <p:cNvPr id="8196" name="Rectangle 2"/>
           <p:cNvSpPr>
             <a:spLocks noGrp="1" noChangeArrowheads="1"/>
           </p:cNvSpPr>
@@ -23505,14 +23223,68 @@
             <a:pPr eaLnBrk="1" hangingPunct="1"/>
             <a:r>
               <a:rPr lang="de-DE" altLang="de-DE" smtClean="0"/>
-              <a:t>Blaue Flächen</a:t>
+              <a:t>Bilder</a:t>
             </a:r>
           </a:p>
         </p:txBody>
       </p:sp>
+      <p:pic>
+        <p:nvPicPr>
+          <p:cNvPr id="8197" name="Picture 3" descr="EI Shooting-007337"/>
+          <p:cNvPicPr>
+            <a:picLocks noChangeAspect="1" noChangeArrowheads="1"/>
+          </p:cNvPicPr>
+          <p:nvPr/>
+        </p:nvPicPr>
+        <p:blipFill>
+          <a:blip r:embed="rId2">
+            <a:extLst>
+              <a:ext uri="{28A0092B-C50C-407E-A947-70E740481C1C}">
+                <a14:useLocalDpi xmlns:a14="http://schemas.microsoft.com/office/drawing/2010/main" val="0"/>
+              </a:ext>
+            </a:extLst>
+          </a:blip>
+          <a:srcRect/>
+          <a:stretch>
+            <a:fillRect/>
+          </a:stretch>
+        </p:blipFill>
+        <p:spPr bwMode="auto">
+          <a:xfrm>
+            <a:off x="971550" y="1628775"/>
+            <a:ext cx="6448425" cy="4316413"/>
+          </a:xfrm>
+          <a:prstGeom prst="rect">
+            <a:avLst/>
+          </a:prstGeom>
+          <a:noFill/>
+          <a:ln>
+            <a:noFill/>
+          </a:ln>
+          <a:extLst>
+            <a:ext uri="{909E8E84-426E-40DD-AFC4-6F175D3DCCD1}">
+              <a14:hiddenFill xmlns:a14="http://schemas.microsoft.com/office/drawing/2010/main">
+                <a:solidFill>
+                  <a:srgbClr val="FFFFFF"/>
+                </a:solidFill>
+              </a14:hiddenFill>
+            </a:ext>
+            <a:ext uri="{91240B29-F687-4F45-9708-019B960494DF}">
+              <a14:hiddenLine xmlns:a14="http://schemas.microsoft.com/office/drawing/2010/main" w="9525">
+                <a:solidFill>
+                  <a:srgbClr val="000000"/>
+                </a:solidFill>
+                <a:miter lim="800000"/>
+                <a:headEnd/>
+                <a:tailEnd/>
+              </a14:hiddenLine>
+            </a:ext>
+          </a:extLst>
+        </p:spPr>
+      </p:pic>
       <p:sp>
         <p:nvSpPr>
-          <p:cNvPr id="9221" name="Rectangle 3"/>
+          <p:cNvPr id="8198" name="Rectangle 4"/>
           <p:cNvSpPr>
             <a:spLocks noChangeArrowheads="1"/>
           </p:cNvSpPr>
@@ -23520,8 +23292,8 @@
         </p:nvSpPr>
         <p:spPr bwMode="auto">
           <a:xfrm>
-            <a:off x="971550" y="1989138"/>
-            <a:ext cx="2160588" cy="1439862"/>
+            <a:off x="5940425" y="4725988"/>
+            <a:ext cx="2952750" cy="1223962"/>
           </a:xfrm>
           <a:prstGeom prst="rect">
             <a:avLst/>
@@ -23556,7 +23328,7 @@
           </a:extLst>
         </p:spPr>
         <p:txBody>
-          <a:bodyPr wrap="none" anchor="ctr"/>
+          <a:bodyPr anchor="ctr"/>
           <a:lstStyle>
             <a:lvl1pPr eaLnBrk="0" hangingPunct="0">
               <a:defRPr>
@@ -23656,357 +23428,15 @@
             </a:lvl9pPr>
           </a:lstStyle>
           <a:p>
-            <a:pPr eaLnBrk="1" hangingPunct="1"/>
-            <a:endParaRPr lang="de-DE" altLang="de-DE"/>
-          </a:p>
-        </p:txBody>
-      </p:sp>
-      <p:sp>
-        <p:nvSpPr>
-          <p:cNvPr id="9222" name="Text Box 4"/>
-          <p:cNvSpPr txBox="1">
-            <a:spLocks noChangeArrowheads="1"/>
-          </p:cNvSpPr>
-          <p:nvPr/>
-        </p:nvSpPr>
-        <p:spPr bwMode="auto">
-          <a:xfrm>
-            <a:off x="3851275" y="1989138"/>
-            <a:ext cx="4321175" cy="2428875"/>
-          </a:xfrm>
-          <a:prstGeom prst="rect">
-            <a:avLst/>
-          </a:prstGeom>
-          <a:noFill/>
-          <a:ln>
-            <a:noFill/>
-          </a:ln>
-          <a:effectLst/>
-          <a:extLst>
-            <a:ext uri="{909E8E84-426E-40DD-AFC4-6F175D3DCCD1}">
-              <a14:hiddenFill xmlns:a14="http://schemas.microsoft.com/office/drawing/2010/main">
-                <a:solidFill>
-                  <a:schemeClr val="accent1"/>
-                </a:solidFill>
-              </a14:hiddenFill>
-            </a:ext>
-            <a:ext uri="{91240B29-F687-4F45-9708-019B960494DF}">
-              <a14:hiddenLine xmlns:a14="http://schemas.microsoft.com/office/drawing/2010/main" w="9525">
-                <a:solidFill>
-                  <a:schemeClr val="tx1"/>
-                </a:solidFill>
-                <a:miter lim="800000"/>
-                <a:headEnd/>
-                <a:tailEnd/>
-              </a14:hiddenLine>
-            </a:ext>
-            <a:ext uri="{AF507438-7753-43E0-B8FC-AC1667EBCBE1}">
-              <a14:hiddenEffects xmlns:a14="http://schemas.microsoft.com/office/drawing/2010/main">
-                <a:effectLst>
-                  <a:outerShdw dist="35921" dir="2700000" algn="ctr" rotWithShape="0">
-                    <a:schemeClr val="bg2"/>
-                  </a:outerShdw>
-                </a:effectLst>
-              </a14:hiddenEffects>
-            </a:ext>
-          </a:extLst>
-        </p:spPr>
-        <p:txBody>
-          <a:bodyPr>
-            <a:spAutoFit/>
-          </a:bodyPr>
-          <a:lstStyle>
-            <a:lvl1pPr eaLnBrk="0" hangingPunct="0">
-              <a:defRPr>
-                <a:solidFill>
-                  <a:schemeClr val="tx1"/>
-                </a:solidFill>
-                <a:latin typeface="Lucida Sans" pitchFamily="34" charset="0"/>
-              </a:defRPr>
-            </a:lvl1pPr>
-            <a:lvl2pPr marL="742950" indent="-285750" eaLnBrk="0" hangingPunct="0">
-              <a:defRPr>
-                <a:solidFill>
-                  <a:schemeClr val="tx1"/>
-                </a:solidFill>
-                <a:latin typeface="Lucida Sans" pitchFamily="34" charset="0"/>
-              </a:defRPr>
-            </a:lvl2pPr>
-            <a:lvl3pPr marL="1143000" indent="-228600" eaLnBrk="0" hangingPunct="0">
-              <a:defRPr>
-                <a:solidFill>
-                  <a:schemeClr val="tx1"/>
-                </a:solidFill>
-                <a:latin typeface="Lucida Sans" pitchFamily="34" charset="0"/>
-              </a:defRPr>
-            </a:lvl3pPr>
-            <a:lvl4pPr marL="1600200" indent="-228600" eaLnBrk="0" hangingPunct="0">
-              <a:defRPr>
-                <a:solidFill>
-                  <a:schemeClr val="tx1"/>
-                </a:solidFill>
-                <a:latin typeface="Lucida Sans" pitchFamily="34" charset="0"/>
-              </a:defRPr>
-            </a:lvl4pPr>
-            <a:lvl5pPr marL="2057400" indent="-228600" eaLnBrk="0" hangingPunct="0">
-              <a:defRPr>
-                <a:solidFill>
-                  <a:schemeClr val="tx1"/>
-                </a:solidFill>
-                <a:latin typeface="Lucida Sans" pitchFamily="34" charset="0"/>
-              </a:defRPr>
-            </a:lvl5pPr>
-            <a:lvl6pPr marL="2514600" indent="-228600" eaLnBrk="0" fontAlgn="base" hangingPunct="0">
-              <a:spcBef>
-                <a:spcPct val="0"/>
-              </a:spcBef>
-              <a:spcAft>
-                <a:spcPct val="0"/>
-              </a:spcAft>
-              <a:defRPr>
-                <a:solidFill>
-                  <a:schemeClr val="tx1"/>
-                </a:solidFill>
-                <a:latin typeface="Lucida Sans" pitchFamily="34" charset="0"/>
-              </a:defRPr>
-            </a:lvl6pPr>
-            <a:lvl7pPr marL="2971800" indent="-228600" eaLnBrk="0" fontAlgn="base" hangingPunct="0">
-              <a:spcBef>
-                <a:spcPct val="0"/>
-              </a:spcBef>
-              <a:spcAft>
-                <a:spcPct val="0"/>
-              </a:spcAft>
-              <a:defRPr>
-                <a:solidFill>
-                  <a:schemeClr val="tx1"/>
-                </a:solidFill>
-                <a:latin typeface="Lucida Sans" pitchFamily="34" charset="0"/>
-              </a:defRPr>
-            </a:lvl7pPr>
-            <a:lvl8pPr marL="3429000" indent="-228600" eaLnBrk="0" fontAlgn="base" hangingPunct="0">
-              <a:spcBef>
-                <a:spcPct val="0"/>
-              </a:spcBef>
-              <a:spcAft>
-                <a:spcPct val="0"/>
-              </a:spcAft>
-              <a:defRPr>
-                <a:solidFill>
-                  <a:schemeClr val="tx1"/>
-                </a:solidFill>
-                <a:latin typeface="Lucida Sans" pitchFamily="34" charset="0"/>
-              </a:defRPr>
-            </a:lvl8pPr>
-            <a:lvl9pPr marL="3886200" indent="-228600" eaLnBrk="0" fontAlgn="base" hangingPunct="0">
-              <a:spcBef>
-                <a:spcPct val="0"/>
-              </a:spcBef>
-              <a:spcAft>
-                <a:spcPct val="0"/>
-              </a:spcAft>
-              <a:defRPr>
-                <a:solidFill>
-                  <a:schemeClr val="tx1"/>
-                </a:solidFill>
-                <a:latin typeface="Lucida Sans" pitchFamily="34" charset="0"/>
-              </a:defRPr>
-            </a:lvl9pPr>
-          </a:lstStyle>
-          <a:p>
-            <a:pPr eaLnBrk="1" hangingPunct="1">
-              <a:spcBef>
-                <a:spcPct val="50000"/>
-              </a:spcBef>
-            </a:pPr>
-            <a:r>
-              <a:rPr lang="de-DE" altLang="de-DE"/>
-              <a:t>Blaue Flächen und Autoformen sollen ohne Linie verwendet werden.</a:t>
-            </a:r>
-          </a:p>
-          <a:p>
-            <a:pPr eaLnBrk="1" hangingPunct="1">
-              <a:spcBef>
-                <a:spcPct val="50000"/>
-              </a:spcBef>
-            </a:pPr>
-            <a:endParaRPr lang="de-DE" altLang="de-DE"/>
-          </a:p>
-          <a:p>
-            <a:pPr eaLnBrk="1" hangingPunct="1">
-              <a:spcBef>
-                <a:spcPct val="50000"/>
-              </a:spcBef>
-            </a:pPr>
-            <a:r>
-              <a:rPr lang="de-DE" altLang="de-DE"/>
-              <a:t>Farbe lässt sich über „weitere Füllfarben“ &gt; „benutzerdefiniert“ einstellen</a:t>
-            </a:r>
-          </a:p>
-          <a:p>
-            <a:pPr eaLnBrk="1" hangingPunct="1">
-              <a:spcBef>
-                <a:spcPct val="50000"/>
-              </a:spcBef>
-            </a:pPr>
-            <a:r>
-              <a:rPr lang="de-DE" altLang="de-DE"/>
-              <a:t>R 0  |  G 174  |  B 239</a:t>
-            </a:r>
-          </a:p>
-        </p:txBody>
-      </p:sp>
-      <p:sp>
-        <p:nvSpPr>
-          <p:cNvPr id="9223" name="AutoShape 5"/>
-          <p:cNvSpPr>
-            <a:spLocks noChangeArrowheads="1"/>
-          </p:cNvSpPr>
-          <p:nvPr/>
-        </p:nvSpPr>
-        <p:spPr bwMode="auto">
-          <a:xfrm>
-            <a:off x="971550" y="4005263"/>
-            <a:ext cx="1871663" cy="431800"/>
-          </a:xfrm>
-          <a:prstGeom prst="rightArrow">
-            <a:avLst>
-              <a:gd name="adj1" fmla="val 50000"/>
-              <a:gd name="adj2" fmla="val 108364"/>
-            </a:avLst>
-          </a:prstGeom>
-          <a:solidFill>
-            <a:srgbClr val="00AEEF"/>
-          </a:solidFill>
-          <a:ln>
-            <a:noFill/>
-          </a:ln>
-          <a:effectLst/>
-          <a:extLst>
-            <a:ext uri="{91240B29-F687-4F45-9708-019B960494DF}">
-              <a14:hiddenLine xmlns:a14="http://schemas.microsoft.com/office/drawing/2010/main" w="9525">
-                <a:solidFill>
-                  <a:schemeClr val="tx1"/>
-                </a:solidFill>
-                <a:miter lim="800000"/>
-                <a:headEnd/>
-                <a:tailEnd/>
-              </a14:hiddenLine>
-            </a:ext>
-            <a:ext uri="{AF507438-7753-43E0-B8FC-AC1667EBCBE1}">
-              <a14:hiddenEffects xmlns:a14="http://schemas.microsoft.com/office/drawing/2010/main">
-                <a:effectLst>
-                  <a:outerShdw dist="35921" dir="2700000" algn="ctr" rotWithShape="0">
-                    <a:schemeClr val="bg2"/>
-                  </a:outerShdw>
-                </a:effectLst>
-              </a14:hiddenEffects>
-            </a:ext>
-          </a:extLst>
-        </p:spPr>
-        <p:txBody>
-          <a:bodyPr wrap="none" anchor="ctr"/>
-          <a:lstStyle>
-            <a:lvl1pPr eaLnBrk="0" hangingPunct="0">
-              <a:defRPr>
-                <a:solidFill>
-                  <a:schemeClr val="tx1"/>
-                </a:solidFill>
-                <a:latin typeface="Lucida Sans" pitchFamily="34" charset="0"/>
-              </a:defRPr>
-            </a:lvl1pPr>
-            <a:lvl2pPr marL="742950" indent="-285750" eaLnBrk="0" hangingPunct="0">
-              <a:defRPr>
-                <a:solidFill>
-                  <a:schemeClr val="tx1"/>
-                </a:solidFill>
-                <a:latin typeface="Lucida Sans" pitchFamily="34" charset="0"/>
-              </a:defRPr>
-            </a:lvl2pPr>
-            <a:lvl3pPr marL="1143000" indent="-228600" eaLnBrk="0" hangingPunct="0">
-              <a:defRPr>
-                <a:solidFill>
-                  <a:schemeClr val="tx1"/>
-                </a:solidFill>
-                <a:latin typeface="Lucida Sans" pitchFamily="34" charset="0"/>
-              </a:defRPr>
-            </a:lvl3pPr>
-            <a:lvl4pPr marL="1600200" indent="-228600" eaLnBrk="0" hangingPunct="0">
-              <a:defRPr>
-                <a:solidFill>
-                  <a:schemeClr val="tx1"/>
-                </a:solidFill>
-                <a:latin typeface="Lucida Sans" pitchFamily="34" charset="0"/>
-              </a:defRPr>
-            </a:lvl4pPr>
-            <a:lvl5pPr marL="2057400" indent="-228600" eaLnBrk="0" hangingPunct="0">
-              <a:defRPr>
-                <a:solidFill>
-                  <a:schemeClr val="tx1"/>
-                </a:solidFill>
-                <a:latin typeface="Lucida Sans" pitchFamily="34" charset="0"/>
-              </a:defRPr>
-            </a:lvl5pPr>
-            <a:lvl6pPr marL="2514600" indent="-228600" eaLnBrk="0" fontAlgn="base" hangingPunct="0">
-              <a:spcBef>
-                <a:spcPct val="0"/>
-              </a:spcBef>
-              <a:spcAft>
-                <a:spcPct val="0"/>
-              </a:spcAft>
-              <a:defRPr>
-                <a:solidFill>
-                  <a:schemeClr val="tx1"/>
-                </a:solidFill>
-                <a:latin typeface="Lucida Sans" pitchFamily="34" charset="0"/>
-              </a:defRPr>
-            </a:lvl6pPr>
-            <a:lvl7pPr marL="2971800" indent="-228600" eaLnBrk="0" fontAlgn="base" hangingPunct="0">
-              <a:spcBef>
-                <a:spcPct val="0"/>
-              </a:spcBef>
-              <a:spcAft>
-                <a:spcPct val="0"/>
-              </a:spcAft>
-              <a:defRPr>
-                <a:solidFill>
-                  <a:schemeClr val="tx1"/>
-                </a:solidFill>
-                <a:latin typeface="Lucida Sans" pitchFamily="34" charset="0"/>
-              </a:defRPr>
-            </a:lvl7pPr>
-            <a:lvl8pPr marL="3429000" indent="-228600" eaLnBrk="0" fontAlgn="base" hangingPunct="0">
-              <a:spcBef>
-                <a:spcPct val="0"/>
-              </a:spcBef>
-              <a:spcAft>
-                <a:spcPct val="0"/>
-              </a:spcAft>
-              <a:defRPr>
-                <a:solidFill>
-                  <a:schemeClr val="tx1"/>
-                </a:solidFill>
-                <a:latin typeface="Lucida Sans" pitchFamily="34" charset="0"/>
-              </a:defRPr>
-            </a:lvl8pPr>
-            <a:lvl9pPr marL="3886200" indent="-228600" eaLnBrk="0" fontAlgn="base" hangingPunct="0">
-              <a:spcBef>
-                <a:spcPct val="0"/>
-              </a:spcBef>
-              <a:spcAft>
-                <a:spcPct val="0"/>
-              </a:spcAft>
-              <a:defRPr>
-                <a:solidFill>
-                  <a:schemeClr val="tx1"/>
-                </a:solidFill>
-                <a:latin typeface="Lucida Sans" pitchFamily="34" charset="0"/>
-              </a:defRPr>
-            </a:lvl9pPr>
-          </a:lstStyle>
-          <a:p>
-            <a:pPr eaLnBrk="1" hangingPunct="1"/>
-            <a:endParaRPr lang="de-DE" altLang="de-DE"/>
+            <a:pPr algn="ctr" eaLnBrk="1" hangingPunct="1"/>
+            <a:r>
+              <a:rPr lang="de-DE" altLang="de-DE" sz="1600" dirty="0">
+                <a:solidFill>
+                  <a:schemeClr val="bg1"/>
+                </a:solidFill>
+              </a:rPr>
+              <a:t>Schrift kann Weiß auf blauem Hintergrund gesetzt werden.</a:t>
+            </a:r>
           </a:p>
         </p:txBody>
       </p:sp>
@@ -25550,6 +24980,823 @@
   <p:clrMapOvr>
     <a:masterClrMapping/>
   </p:clrMapOvr>
+  <p:timing>
+    <p:tnLst>
+      <p:par>
+        <p:cTn id="1" dur="indefinite" restart="never" nodeType="tmRoot"/>
+      </p:par>
+    </p:tnLst>
+  </p:timing>
+</p:sld>
+</file>
+
+<file path=ppt/slides/slide30.xml><?xml version="1.0" encoding="utf-8"?>
+<p:sld xmlns:a="http://schemas.openxmlformats.org/drawingml/2006/main" xmlns:r="http://schemas.openxmlformats.org/officeDocument/2006/relationships" xmlns:p="http://schemas.openxmlformats.org/presentationml/2006/main" show="0">
+  <p:cSld>
+    <p:spTree>
+      <p:nvGrpSpPr>
+        <p:cNvPr id="1" name=""/>
+        <p:cNvGrpSpPr/>
+        <p:nvPr/>
+      </p:nvGrpSpPr>
+      <p:grpSpPr>
+        <a:xfrm>
+          <a:off x="0" y="0"/>
+          <a:ext cx="0" cy="0"/>
+          <a:chOff x="0" y="0"/>
+          <a:chExt cx="0" cy="0"/>
+        </a:xfrm>
+      </p:grpSpPr>
+      <p:sp>
+        <p:nvSpPr>
+          <p:cNvPr id="9218" name="Fußzeilenplatzhalter 3"/>
+          <p:cNvSpPr>
+            <a:spLocks noGrp="1"/>
+          </p:cNvSpPr>
+          <p:nvPr>
+            <p:ph type="ftr" sz="quarter" idx="10"/>
+          </p:nvPr>
+        </p:nvSpPr>
+        <p:spPr>
+          <a:noFill/>
+        </p:spPr>
+        <p:txBody>
+          <a:bodyPr/>
+          <a:lstStyle>
+            <a:lvl1pPr eaLnBrk="0" hangingPunct="0">
+              <a:defRPr>
+                <a:solidFill>
+                  <a:schemeClr val="tx1"/>
+                </a:solidFill>
+                <a:latin typeface="Lucida Sans" pitchFamily="34" charset="0"/>
+              </a:defRPr>
+            </a:lvl1pPr>
+            <a:lvl2pPr marL="742950" indent="-285750" eaLnBrk="0" hangingPunct="0">
+              <a:defRPr>
+                <a:solidFill>
+                  <a:schemeClr val="tx1"/>
+                </a:solidFill>
+                <a:latin typeface="Lucida Sans" pitchFamily="34" charset="0"/>
+              </a:defRPr>
+            </a:lvl2pPr>
+            <a:lvl3pPr marL="1143000" indent="-228600" eaLnBrk="0" hangingPunct="0">
+              <a:defRPr>
+                <a:solidFill>
+                  <a:schemeClr val="tx1"/>
+                </a:solidFill>
+                <a:latin typeface="Lucida Sans" pitchFamily="34" charset="0"/>
+              </a:defRPr>
+            </a:lvl3pPr>
+            <a:lvl4pPr marL="1600200" indent="-228600" eaLnBrk="0" hangingPunct="0">
+              <a:defRPr>
+                <a:solidFill>
+                  <a:schemeClr val="tx1"/>
+                </a:solidFill>
+                <a:latin typeface="Lucida Sans" pitchFamily="34" charset="0"/>
+              </a:defRPr>
+            </a:lvl4pPr>
+            <a:lvl5pPr marL="2057400" indent="-228600" eaLnBrk="0" hangingPunct="0">
+              <a:defRPr>
+                <a:solidFill>
+                  <a:schemeClr val="tx1"/>
+                </a:solidFill>
+                <a:latin typeface="Lucida Sans" pitchFamily="34" charset="0"/>
+              </a:defRPr>
+            </a:lvl5pPr>
+            <a:lvl6pPr marL="2514600" indent="-228600" eaLnBrk="0" fontAlgn="base" hangingPunct="0">
+              <a:spcBef>
+                <a:spcPct val="0"/>
+              </a:spcBef>
+              <a:spcAft>
+                <a:spcPct val="0"/>
+              </a:spcAft>
+              <a:defRPr>
+                <a:solidFill>
+                  <a:schemeClr val="tx1"/>
+                </a:solidFill>
+                <a:latin typeface="Lucida Sans" pitchFamily="34" charset="0"/>
+              </a:defRPr>
+            </a:lvl6pPr>
+            <a:lvl7pPr marL="2971800" indent="-228600" eaLnBrk="0" fontAlgn="base" hangingPunct="0">
+              <a:spcBef>
+                <a:spcPct val="0"/>
+              </a:spcBef>
+              <a:spcAft>
+                <a:spcPct val="0"/>
+              </a:spcAft>
+              <a:defRPr>
+                <a:solidFill>
+                  <a:schemeClr val="tx1"/>
+                </a:solidFill>
+                <a:latin typeface="Lucida Sans" pitchFamily="34" charset="0"/>
+              </a:defRPr>
+            </a:lvl7pPr>
+            <a:lvl8pPr marL="3429000" indent="-228600" eaLnBrk="0" fontAlgn="base" hangingPunct="0">
+              <a:spcBef>
+                <a:spcPct val="0"/>
+              </a:spcBef>
+              <a:spcAft>
+                <a:spcPct val="0"/>
+              </a:spcAft>
+              <a:defRPr>
+                <a:solidFill>
+                  <a:schemeClr val="tx1"/>
+                </a:solidFill>
+                <a:latin typeface="Lucida Sans" pitchFamily="34" charset="0"/>
+              </a:defRPr>
+            </a:lvl8pPr>
+            <a:lvl9pPr marL="3886200" indent="-228600" eaLnBrk="0" fontAlgn="base" hangingPunct="0">
+              <a:spcBef>
+                <a:spcPct val="0"/>
+              </a:spcBef>
+              <a:spcAft>
+                <a:spcPct val="0"/>
+              </a:spcAft>
+              <a:defRPr>
+                <a:solidFill>
+                  <a:schemeClr val="tx1"/>
+                </a:solidFill>
+                <a:latin typeface="Lucida Sans" pitchFamily="34" charset="0"/>
+              </a:defRPr>
+            </a:lvl9pPr>
+          </a:lstStyle>
+          <a:p>
+            <a:pPr eaLnBrk="1" hangingPunct="1"/>
+            <a:r>
+              <a:rPr lang="de-DE" altLang="de-DE"/>
+              <a:t>Hochschule Konstanz | Titel der Präsentation | Datum etc.</a:t>
+            </a:r>
+          </a:p>
+          <a:p>
+            <a:pPr eaLnBrk="1" hangingPunct="1"/>
+            <a:endParaRPr lang="de-DE" altLang="de-DE"/>
+          </a:p>
+          <a:p>
+            <a:pPr eaLnBrk="1" hangingPunct="1"/>
+            <a:endParaRPr lang="de-DE" altLang="de-DE"/>
+          </a:p>
+        </p:txBody>
+      </p:sp>
+      <p:sp>
+        <p:nvSpPr>
+          <p:cNvPr id="9219" name="Foliennummernplatzhalter 4"/>
+          <p:cNvSpPr>
+            <a:spLocks noGrp="1"/>
+          </p:cNvSpPr>
+          <p:nvPr>
+            <p:ph type="sldNum" sz="quarter" idx="11"/>
+          </p:nvPr>
+        </p:nvSpPr>
+        <p:spPr>
+          <a:noFill/>
+        </p:spPr>
+        <p:txBody>
+          <a:bodyPr/>
+          <a:lstStyle>
+            <a:lvl1pPr eaLnBrk="0" hangingPunct="0">
+              <a:defRPr>
+                <a:solidFill>
+                  <a:schemeClr val="tx1"/>
+                </a:solidFill>
+                <a:latin typeface="Lucida Sans" pitchFamily="34" charset="0"/>
+              </a:defRPr>
+            </a:lvl1pPr>
+            <a:lvl2pPr marL="742950" indent="-285750" eaLnBrk="0" hangingPunct="0">
+              <a:defRPr>
+                <a:solidFill>
+                  <a:schemeClr val="tx1"/>
+                </a:solidFill>
+                <a:latin typeface="Lucida Sans" pitchFamily="34" charset="0"/>
+              </a:defRPr>
+            </a:lvl2pPr>
+            <a:lvl3pPr marL="1143000" indent="-228600" eaLnBrk="0" hangingPunct="0">
+              <a:defRPr>
+                <a:solidFill>
+                  <a:schemeClr val="tx1"/>
+                </a:solidFill>
+                <a:latin typeface="Lucida Sans" pitchFamily="34" charset="0"/>
+              </a:defRPr>
+            </a:lvl3pPr>
+            <a:lvl4pPr marL="1600200" indent="-228600" eaLnBrk="0" hangingPunct="0">
+              <a:defRPr>
+                <a:solidFill>
+                  <a:schemeClr val="tx1"/>
+                </a:solidFill>
+                <a:latin typeface="Lucida Sans" pitchFamily="34" charset="0"/>
+              </a:defRPr>
+            </a:lvl4pPr>
+            <a:lvl5pPr marL="2057400" indent="-228600" eaLnBrk="0" hangingPunct="0">
+              <a:defRPr>
+                <a:solidFill>
+                  <a:schemeClr val="tx1"/>
+                </a:solidFill>
+                <a:latin typeface="Lucida Sans" pitchFamily="34" charset="0"/>
+              </a:defRPr>
+            </a:lvl5pPr>
+            <a:lvl6pPr marL="2514600" indent="-228600" eaLnBrk="0" fontAlgn="base" hangingPunct="0">
+              <a:spcBef>
+                <a:spcPct val="0"/>
+              </a:spcBef>
+              <a:spcAft>
+                <a:spcPct val="0"/>
+              </a:spcAft>
+              <a:defRPr>
+                <a:solidFill>
+                  <a:schemeClr val="tx1"/>
+                </a:solidFill>
+                <a:latin typeface="Lucida Sans" pitchFamily="34" charset="0"/>
+              </a:defRPr>
+            </a:lvl6pPr>
+            <a:lvl7pPr marL="2971800" indent="-228600" eaLnBrk="0" fontAlgn="base" hangingPunct="0">
+              <a:spcBef>
+                <a:spcPct val="0"/>
+              </a:spcBef>
+              <a:spcAft>
+                <a:spcPct val="0"/>
+              </a:spcAft>
+              <a:defRPr>
+                <a:solidFill>
+                  <a:schemeClr val="tx1"/>
+                </a:solidFill>
+                <a:latin typeface="Lucida Sans" pitchFamily="34" charset="0"/>
+              </a:defRPr>
+            </a:lvl7pPr>
+            <a:lvl8pPr marL="3429000" indent="-228600" eaLnBrk="0" fontAlgn="base" hangingPunct="0">
+              <a:spcBef>
+                <a:spcPct val="0"/>
+              </a:spcBef>
+              <a:spcAft>
+                <a:spcPct val="0"/>
+              </a:spcAft>
+              <a:defRPr>
+                <a:solidFill>
+                  <a:schemeClr val="tx1"/>
+                </a:solidFill>
+                <a:latin typeface="Lucida Sans" pitchFamily="34" charset="0"/>
+              </a:defRPr>
+            </a:lvl8pPr>
+            <a:lvl9pPr marL="3886200" indent="-228600" eaLnBrk="0" fontAlgn="base" hangingPunct="0">
+              <a:spcBef>
+                <a:spcPct val="0"/>
+              </a:spcBef>
+              <a:spcAft>
+                <a:spcPct val="0"/>
+              </a:spcAft>
+              <a:defRPr>
+                <a:solidFill>
+                  <a:schemeClr val="tx1"/>
+                </a:solidFill>
+                <a:latin typeface="Lucida Sans" pitchFamily="34" charset="0"/>
+              </a:defRPr>
+            </a:lvl9pPr>
+          </a:lstStyle>
+          <a:p>
+            <a:pPr eaLnBrk="1" hangingPunct="1"/>
+            <a:fld id="{D9BC2402-BD6A-4D78-AC48-FC536A3318E7}" type="slidenum">
+              <a:rPr lang="de-DE" altLang="de-DE"/>
+              <a:pPr eaLnBrk="1" hangingPunct="1"/>
+              <a:t>30</a:t>
+            </a:fld>
+            <a:endParaRPr lang="de-DE" altLang="de-DE"/>
+          </a:p>
+        </p:txBody>
+      </p:sp>
+      <p:sp>
+        <p:nvSpPr>
+          <p:cNvPr id="9220" name="Rectangle 2"/>
+          <p:cNvSpPr>
+            <a:spLocks noGrp="1" noChangeArrowheads="1"/>
+          </p:cNvSpPr>
+          <p:nvPr>
+            <p:ph type="title"/>
+          </p:nvPr>
+        </p:nvSpPr>
+        <p:spPr/>
+        <p:txBody>
+          <a:bodyPr/>
+          <a:lstStyle/>
+          <a:p>
+            <a:pPr eaLnBrk="1" hangingPunct="1"/>
+            <a:r>
+              <a:rPr lang="de-DE" altLang="de-DE" smtClean="0"/>
+              <a:t>Blaue Flächen</a:t>
+            </a:r>
+          </a:p>
+        </p:txBody>
+      </p:sp>
+      <p:sp>
+        <p:nvSpPr>
+          <p:cNvPr id="9221" name="Rectangle 3"/>
+          <p:cNvSpPr>
+            <a:spLocks noChangeArrowheads="1"/>
+          </p:cNvSpPr>
+          <p:nvPr/>
+        </p:nvSpPr>
+        <p:spPr bwMode="auto">
+          <a:xfrm>
+            <a:off x="971550" y="1989138"/>
+            <a:ext cx="2160588" cy="1439862"/>
+          </a:xfrm>
+          <a:prstGeom prst="rect">
+            <a:avLst/>
+          </a:prstGeom>
+          <a:solidFill>
+            <a:srgbClr val="00AEEF"/>
+          </a:solidFill>
+          <a:ln>
+            <a:noFill/>
+          </a:ln>
+          <a:effectLst/>
+          <a:extLst>
+            <a:ext uri="{91240B29-F687-4F45-9708-019B960494DF}">
+              <a14:hiddenLine xmlns:a14="http://schemas.microsoft.com/office/drawing/2010/main" w="9525">
+                <a:solidFill>
+                  <a:schemeClr val="tx1"/>
+                </a:solidFill>
+                <a:miter lim="800000"/>
+                <a:headEnd/>
+                <a:tailEnd/>
+              </a14:hiddenLine>
+            </a:ext>
+            <a:ext uri="{AF507438-7753-43E0-B8FC-AC1667EBCBE1}">
+              <a14:hiddenEffects xmlns:a14="http://schemas.microsoft.com/office/drawing/2010/main">
+                <a:effectLst>
+                  <a:outerShdw dist="35921" dir="2700000" algn="ctr" rotWithShape="0">
+                    <a:schemeClr val="bg2"/>
+                  </a:outerShdw>
+                </a:effectLst>
+              </a14:hiddenEffects>
+            </a:ext>
+          </a:extLst>
+        </p:spPr>
+        <p:txBody>
+          <a:bodyPr wrap="none" anchor="ctr"/>
+          <a:lstStyle>
+            <a:lvl1pPr eaLnBrk="0" hangingPunct="0">
+              <a:defRPr>
+                <a:solidFill>
+                  <a:schemeClr val="tx1"/>
+                </a:solidFill>
+                <a:latin typeface="Lucida Sans" pitchFamily="34" charset="0"/>
+              </a:defRPr>
+            </a:lvl1pPr>
+            <a:lvl2pPr marL="742950" indent="-285750" eaLnBrk="0" hangingPunct="0">
+              <a:defRPr>
+                <a:solidFill>
+                  <a:schemeClr val="tx1"/>
+                </a:solidFill>
+                <a:latin typeface="Lucida Sans" pitchFamily="34" charset="0"/>
+              </a:defRPr>
+            </a:lvl2pPr>
+            <a:lvl3pPr marL="1143000" indent="-228600" eaLnBrk="0" hangingPunct="0">
+              <a:defRPr>
+                <a:solidFill>
+                  <a:schemeClr val="tx1"/>
+                </a:solidFill>
+                <a:latin typeface="Lucida Sans" pitchFamily="34" charset="0"/>
+              </a:defRPr>
+            </a:lvl3pPr>
+            <a:lvl4pPr marL="1600200" indent="-228600" eaLnBrk="0" hangingPunct="0">
+              <a:defRPr>
+                <a:solidFill>
+                  <a:schemeClr val="tx1"/>
+                </a:solidFill>
+                <a:latin typeface="Lucida Sans" pitchFamily="34" charset="0"/>
+              </a:defRPr>
+            </a:lvl4pPr>
+            <a:lvl5pPr marL="2057400" indent="-228600" eaLnBrk="0" hangingPunct="0">
+              <a:defRPr>
+                <a:solidFill>
+                  <a:schemeClr val="tx1"/>
+                </a:solidFill>
+                <a:latin typeface="Lucida Sans" pitchFamily="34" charset="0"/>
+              </a:defRPr>
+            </a:lvl5pPr>
+            <a:lvl6pPr marL="2514600" indent="-228600" eaLnBrk="0" fontAlgn="base" hangingPunct="0">
+              <a:spcBef>
+                <a:spcPct val="0"/>
+              </a:spcBef>
+              <a:spcAft>
+                <a:spcPct val="0"/>
+              </a:spcAft>
+              <a:defRPr>
+                <a:solidFill>
+                  <a:schemeClr val="tx1"/>
+                </a:solidFill>
+                <a:latin typeface="Lucida Sans" pitchFamily="34" charset="0"/>
+              </a:defRPr>
+            </a:lvl6pPr>
+            <a:lvl7pPr marL="2971800" indent="-228600" eaLnBrk="0" fontAlgn="base" hangingPunct="0">
+              <a:spcBef>
+                <a:spcPct val="0"/>
+              </a:spcBef>
+              <a:spcAft>
+                <a:spcPct val="0"/>
+              </a:spcAft>
+              <a:defRPr>
+                <a:solidFill>
+                  <a:schemeClr val="tx1"/>
+                </a:solidFill>
+                <a:latin typeface="Lucida Sans" pitchFamily="34" charset="0"/>
+              </a:defRPr>
+            </a:lvl7pPr>
+            <a:lvl8pPr marL="3429000" indent="-228600" eaLnBrk="0" fontAlgn="base" hangingPunct="0">
+              <a:spcBef>
+                <a:spcPct val="0"/>
+              </a:spcBef>
+              <a:spcAft>
+                <a:spcPct val="0"/>
+              </a:spcAft>
+              <a:defRPr>
+                <a:solidFill>
+                  <a:schemeClr val="tx1"/>
+                </a:solidFill>
+                <a:latin typeface="Lucida Sans" pitchFamily="34" charset="0"/>
+              </a:defRPr>
+            </a:lvl8pPr>
+            <a:lvl9pPr marL="3886200" indent="-228600" eaLnBrk="0" fontAlgn="base" hangingPunct="0">
+              <a:spcBef>
+                <a:spcPct val="0"/>
+              </a:spcBef>
+              <a:spcAft>
+                <a:spcPct val="0"/>
+              </a:spcAft>
+              <a:defRPr>
+                <a:solidFill>
+                  <a:schemeClr val="tx1"/>
+                </a:solidFill>
+                <a:latin typeface="Lucida Sans" pitchFamily="34" charset="0"/>
+              </a:defRPr>
+            </a:lvl9pPr>
+          </a:lstStyle>
+          <a:p>
+            <a:pPr eaLnBrk="1" hangingPunct="1"/>
+            <a:endParaRPr lang="de-DE" altLang="de-DE"/>
+          </a:p>
+        </p:txBody>
+      </p:sp>
+      <p:sp>
+        <p:nvSpPr>
+          <p:cNvPr id="9222" name="Text Box 4"/>
+          <p:cNvSpPr txBox="1">
+            <a:spLocks noChangeArrowheads="1"/>
+          </p:cNvSpPr>
+          <p:nvPr/>
+        </p:nvSpPr>
+        <p:spPr bwMode="auto">
+          <a:xfrm>
+            <a:off x="3851275" y="1989138"/>
+            <a:ext cx="4321175" cy="2428875"/>
+          </a:xfrm>
+          <a:prstGeom prst="rect">
+            <a:avLst/>
+          </a:prstGeom>
+          <a:noFill/>
+          <a:ln>
+            <a:noFill/>
+          </a:ln>
+          <a:effectLst/>
+          <a:extLst>
+            <a:ext uri="{909E8E84-426E-40DD-AFC4-6F175D3DCCD1}">
+              <a14:hiddenFill xmlns:a14="http://schemas.microsoft.com/office/drawing/2010/main">
+                <a:solidFill>
+                  <a:schemeClr val="accent1"/>
+                </a:solidFill>
+              </a14:hiddenFill>
+            </a:ext>
+            <a:ext uri="{91240B29-F687-4F45-9708-019B960494DF}">
+              <a14:hiddenLine xmlns:a14="http://schemas.microsoft.com/office/drawing/2010/main" w="9525">
+                <a:solidFill>
+                  <a:schemeClr val="tx1"/>
+                </a:solidFill>
+                <a:miter lim="800000"/>
+                <a:headEnd/>
+                <a:tailEnd/>
+              </a14:hiddenLine>
+            </a:ext>
+            <a:ext uri="{AF507438-7753-43E0-B8FC-AC1667EBCBE1}">
+              <a14:hiddenEffects xmlns:a14="http://schemas.microsoft.com/office/drawing/2010/main">
+                <a:effectLst>
+                  <a:outerShdw dist="35921" dir="2700000" algn="ctr" rotWithShape="0">
+                    <a:schemeClr val="bg2"/>
+                  </a:outerShdw>
+                </a:effectLst>
+              </a14:hiddenEffects>
+            </a:ext>
+          </a:extLst>
+        </p:spPr>
+        <p:txBody>
+          <a:bodyPr>
+            <a:spAutoFit/>
+          </a:bodyPr>
+          <a:lstStyle>
+            <a:lvl1pPr eaLnBrk="0" hangingPunct="0">
+              <a:defRPr>
+                <a:solidFill>
+                  <a:schemeClr val="tx1"/>
+                </a:solidFill>
+                <a:latin typeface="Lucida Sans" pitchFamily="34" charset="0"/>
+              </a:defRPr>
+            </a:lvl1pPr>
+            <a:lvl2pPr marL="742950" indent="-285750" eaLnBrk="0" hangingPunct="0">
+              <a:defRPr>
+                <a:solidFill>
+                  <a:schemeClr val="tx1"/>
+                </a:solidFill>
+                <a:latin typeface="Lucida Sans" pitchFamily="34" charset="0"/>
+              </a:defRPr>
+            </a:lvl2pPr>
+            <a:lvl3pPr marL="1143000" indent="-228600" eaLnBrk="0" hangingPunct="0">
+              <a:defRPr>
+                <a:solidFill>
+                  <a:schemeClr val="tx1"/>
+                </a:solidFill>
+                <a:latin typeface="Lucida Sans" pitchFamily="34" charset="0"/>
+              </a:defRPr>
+            </a:lvl3pPr>
+            <a:lvl4pPr marL="1600200" indent="-228600" eaLnBrk="0" hangingPunct="0">
+              <a:defRPr>
+                <a:solidFill>
+                  <a:schemeClr val="tx1"/>
+                </a:solidFill>
+                <a:latin typeface="Lucida Sans" pitchFamily="34" charset="0"/>
+              </a:defRPr>
+            </a:lvl4pPr>
+            <a:lvl5pPr marL="2057400" indent="-228600" eaLnBrk="0" hangingPunct="0">
+              <a:defRPr>
+                <a:solidFill>
+                  <a:schemeClr val="tx1"/>
+                </a:solidFill>
+                <a:latin typeface="Lucida Sans" pitchFamily="34" charset="0"/>
+              </a:defRPr>
+            </a:lvl5pPr>
+            <a:lvl6pPr marL="2514600" indent="-228600" eaLnBrk="0" fontAlgn="base" hangingPunct="0">
+              <a:spcBef>
+                <a:spcPct val="0"/>
+              </a:spcBef>
+              <a:spcAft>
+                <a:spcPct val="0"/>
+              </a:spcAft>
+              <a:defRPr>
+                <a:solidFill>
+                  <a:schemeClr val="tx1"/>
+                </a:solidFill>
+                <a:latin typeface="Lucida Sans" pitchFamily="34" charset="0"/>
+              </a:defRPr>
+            </a:lvl6pPr>
+            <a:lvl7pPr marL="2971800" indent="-228600" eaLnBrk="0" fontAlgn="base" hangingPunct="0">
+              <a:spcBef>
+                <a:spcPct val="0"/>
+              </a:spcBef>
+              <a:spcAft>
+                <a:spcPct val="0"/>
+              </a:spcAft>
+              <a:defRPr>
+                <a:solidFill>
+                  <a:schemeClr val="tx1"/>
+                </a:solidFill>
+                <a:latin typeface="Lucida Sans" pitchFamily="34" charset="0"/>
+              </a:defRPr>
+            </a:lvl7pPr>
+            <a:lvl8pPr marL="3429000" indent="-228600" eaLnBrk="0" fontAlgn="base" hangingPunct="0">
+              <a:spcBef>
+                <a:spcPct val="0"/>
+              </a:spcBef>
+              <a:spcAft>
+                <a:spcPct val="0"/>
+              </a:spcAft>
+              <a:defRPr>
+                <a:solidFill>
+                  <a:schemeClr val="tx1"/>
+                </a:solidFill>
+                <a:latin typeface="Lucida Sans" pitchFamily="34" charset="0"/>
+              </a:defRPr>
+            </a:lvl8pPr>
+            <a:lvl9pPr marL="3886200" indent="-228600" eaLnBrk="0" fontAlgn="base" hangingPunct="0">
+              <a:spcBef>
+                <a:spcPct val="0"/>
+              </a:spcBef>
+              <a:spcAft>
+                <a:spcPct val="0"/>
+              </a:spcAft>
+              <a:defRPr>
+                <a:solidFill>
+                  <a:schemeClr val="tx1"/>
+                </a:solidFill>
+                <a:latin typeface="Lucida Sans" pitchFamily="34" charset="0"/>
+              </a:defRPr>
+            </a:lvl9pPr>
+          </a:lstStyle>
+          <a:p>
+            <a:pPr eaLnBrk="1" hangingPunct="1">
+              <a:spcBef>
+                <a:spcPct val="50000"/>
+              </a:spcBef>
+            </a:pPr>
+            <a:r>
+              <a:rPr lang="de-DE" altLang="de-DE"/>
+              <a:t>Blaue Flächen und Autoformen sollen ohne Linie verwendet werden.</a:t>
+            </a:r>
+          </a:p>
+          <a:p>
+            <a:pPr eaLnBrk="1" hangingPunct="1">
+              <a:spcBef>
+                <a:spcPct val="50000"/>
+              </a:spcBef>
+            </a:pPr>
+            <a:endParaRPr lang="de-DE" altLang="de-DE"/>
+          </a:p>
+          <a:p>
+            <a:pPr eaLnBrk="1" hangingPunct="1">
+              <a:spcBef>
+                <a:spcPct val="50000"/>
+              </a:spcBef>
+            </a:pPr>
+            <a:r>
+              <a:rPr lang="de-DE" altLang="de-DE"/>
+              <a:t>Farbe lässt sich über „weitere Füllfarben“ &gt; „benutzerdefiniert“ einstellen</a:t>
+            </a:r>
+          </a:p>
+          <a:p>
+            <a:pPr eaLnBrk="1" hangingPunct="1">
+              <a:spcBef>
+                <a:spcPct val="50000"/>
+              </a:spcBef>
+            </a:pPr>
+            <a:r>
+              <a:rPr lang="de-DE" altLang="de-DE"/>
+              <a:t>R 0  |  G 174  |  B 239</a:t>
+            </a:r>
+          </a:p>
+        </p:txBody>
+      </p:sp>
+      <p:sp>
+        <p:nvSpPr>
+          <p:cNvPr id="9223" name="AutoShape 5"/>
+          <p:cNvSpPr>
+            <a:spLocks noChangeArrowheads="1"/>
+          </p:cNvSpPr>
+          <p:nvPr/>
+        </p:nvSpPr>
+        <p:spPr bwMode="auto">
+          <a:xfrm>
+            <a:off x="971550" y="4005263"/>
+            <a:ext cx="1871663" cy="431800"/>
+          </a:xfrm>
+          <a:prstGeom prst="rightArrow">
+            <a:avLst>
+              <a:gd name="adj1" fmla="val 50000"/>
+              <a:gd name="adj2" fmla="val 108364"/>
+            </a:avLst>
+          </a:prstGeom>
+          <a:solidFill>
+            <a:srgbClr val="00AEEF"/>
+          </a:solidFill>
+          <a:ln>
+            <a:noFill/>
+          </a:ln>
+          <a:effectLst/>
+          <a:extLst>
+            <a:ext uri="{91240B29-F687-4F45-9708-019B960494DF}">
+              <a14:hiddenLine xmlns:a14="http://schemas.microsoft.com/office/drawing/2010/main" w="9525">
+                <a:solidFill>
+                  <a:schemeClr val="tx1"/>
+                </a:solidFill>
+                <a:miter lim="800000"/>
+                <a:headEnd/>
+                <a:tailEnd/>
+              </a14:hiddenLine>
+            </a:ext>
+            <a:ext uri="{AF507438-7753-43E0-B8FC-AC1667EBCBE1}">
+              <a14:hiddenEffects xmlns:a14="http://schemas.microsoft.com/office/drawing/2010/main">
+                <a:effectLst>
+                  <a:outerShdw dist="35921" dir="2700000" algn="ctr" rotWithShape="0">
+                    <a:schemeClr val="bg2"/>
+                  </a:outerShdw>
+                </a:effectLst>
+              </a14:hiddenEffects>
+            </a:ext>
+          </a:extLst>
+        </p:spPr>
+        <p:txBody>
+          <a:bodyPr wrap="none" anchor="ctr"/>
+          <a:lstStyle>
+            <a:lvl1pPr eaLnBrk="0" hangingPunct="0">
+              <a:defRPr>
+                <a:solidFill>
+                  <a:schemeClr val="tx1"/>
+                </a:solidFill>
+                <a:latin typeface="Lucida Sans" pitchFamily="34" charset="0"/>
+              </a:defRPr>
+            </a:lvl1pPr>
+            <a:lvl2pPr marL="742950" indent="-285750" eaLnBrk="0" hangingPunct="0">
+              <a:defRPr>
+                <a:solidFill>
+                  <a:schemeClr val="tx1"/>
+                </a:solidFill>
+                <a:latin typeface="Lucida Sans" pitchFamily="34" charset="0"/>
+              </a:defRPr>
+            </a:lvl2pPr>
+            <a:lvl3pPr marL="1143000" indent="-228600" eaLnBrk="0" hangingPunct="0">
+              <a:defRPr>
+                <a:solidFill>
+                  <a:schemeClr val="tx1"/>
+                </a:solidFill>
+                <a:latin typeface="Lucida Sans" pitchFamily="34" charset="0"/>
+              </a:defRPr>
+            </a:lvl3pPr>
+            <a:lvl4pPr marL="1600200" indent="-228600" eaLnBrk="0" hangingPunct="0">
+              <a:defRPr>
+                <a:solidFill>
+                  <a:schemeClr val="tx1"/>
+                </a:solidFill>
+                <a:latin typeface="Lucida Sans" pitchFamily="34" charset="0"/>
+              </a:defRPr>
+            </a:lvl4pPr>
+            <a:lvl5pPr marL="2057400" indent="-228600" eaLnBrk="0" hangingPunct="0">
+              <a:defRPr>
+                <a:solidFill>
+                  <a:schemeClr val="tx1"/>
+                </a:solidFill>
+                <a:latin typeface="Lucida Sans" pitchFamily="34" charset="0"/>
+              </a:defRPr>
+            </a:lvl5pPr>
+            <a:lvl6pPr marL="2514600" indent="-228600" eaLnBrk="0" fontAlgn="base" hangingPunct="0">
+              <a:spcBef>
+                <a:spcPct val="0"/>
+              </a:spcBef>
+              <a:spcAft>
+                <a:spcPct val="0"/>
+              </a:spcAft>
+              <a:defRPr>
+                <a:solidFill>
+                  <a:schemeClr val="tx1"/>
+                </a:solidFill>
+                <a:latin typeface="Lucida Sans" pitchFamily="34" charset="0"/>
+              </a:defRPr>
+            </a:lvl6pPr>
+            <a:lvl7pPr marL="2971800" indent="-228600" eaLnBrk="0" fontAlgn="base" hangingPunct="0">
+              <a:spcBef>
+                <a:spcPct val="0"/>
+              </a:spcBef>
+              <a:spcAft>
+                <a:spcPct val="0"/>
+              </a:spcAft>
+              <a:defRPr>
+                <a:solidFill>
+                  <a:schemeClr val="tx1"/>
+                </a:solidFill>
+                <a:latin typeface="Lucida Sans" pitchFamily="34" charset="0"/>
+              </a:defRPr>
+            </a:lvl7pPr>
+            <a:lvl8pPr marL="3429000" indent="-228600" eaLnBrk="0" fontAlgn="base" hangingPunct="0">
+              <a:spcBef>
+                <a:spcPct val="0"/>
+              </a:spcBef>
+              <a:spcAft>
+                <a:spcPct val="0"/>
+              </a:spcAft>
+              <a:defRPr>
+                <a:solidFill>
+                  <a:schemeClr val="tx1"/>
+                </a:solidFill>
+                <a:latin typeface="Lucida Sans" pitchFamily="34" charset="0"/>
+              </a:defRPr>
+            </a:lvl8pPr>
+            <a:lvl9pPr marL="3886200" indent="-228600" eaLnBrk="0" fontAlgn="base" hangingPunct="0">
+              <a:spcBef>
+                <a:spcPct val="0"/>
+              </a:spcBef>
+              <a:spcAft>
+                <a:spcPct val="0"/>
+              </a:spcAft>
+              <a:defRPr>
+                <a:solidFill>
+                  <a:schemeClr val="tx1"/>
+                </a:solidFill>
+                <a:latin typeface="Lucida Sans" pitchFamily="34" charset="0"/>
+              </a:defRPr>
+            </a:lvl9pPr>
+          </a:lstStyle>
+          <a:p>
+            <a:pPr eaLnBrk="1" hangingPunct="1"/>
+            <a:endParaRPr lang="de-DE" altLang="de-DE"/>
+          </a:p>
+        </p:txBody>
+      </p:sp>
+    </p:spTree>
+  </p:cSld>
+  <p:clrMapOvr>
+    <a:masterClrMapping/>
+  </p:clrMapOvr>
+  <mc:AlternateContent xmlns:mc="http://schemas.openxmlformats.org/markup-compatibility/2006" xmlns:p14="http://schemas.microsoft.com/office/powerpoint/2010/main">
+    <mc:Choice Requires="p14">
+      <p:transition spd="slow" p14:dur="2000"/>
+    </mc:Choice>
+    <mc:Fallback xmlns="">
+      <p:transition spd="slow"/>
+    </mc:Fallback>
+  </mc:AlternateContent>
   <p:timing>
     <p:tnLst>
       <p:par>
